--- a/units/2/lessons/2/resources/petascale-lesson-2.2-slides.pptx
+++ b/units/2/lessons/2/resources/petascale-lesson-2.2-slides.pptx
@@ -10,7 +10,7 @@
   </p:notesMasterIdLst>
   <p:sldIdLst>
     <p:sldId id="342" r:id="rId3"/>
-    <p:sldId id="343" r:id="rId4"/>
+    <p:sldId id="344" r:id="rId4"/>
     <p:sldId id="256" r:id="rId5"/>
     <p:sldId id="257" r:id="rId6"/>
     <p:sldId id="330" r:id="rId7"/>
@@ -127,7 +127,7 @@
       <p15:sldGuideLst xmlns:p15="http://schemas.microsoft.com/office/powerpoint/2012/main"/>
     </p:ext>
     <p:ext uri="http://customooxmlschemas.google.com/">
-      <go:slidesCustomData xmlns:go="http://customooxmlschemas.google.com/" xmlns:p15="http://schemas.microsoft.com/office/powerpoint/2012/main" xmlns="" roundtripDataSignature="AMtx7mg1N4fmKLajmSSvUyUp6ZSh/Wh7vQ==" r:id="rId21"/>
+      <go:slidesCustomData xmlns="" xmlns:p15="http://schemas.microsoft.com/office/powerpoint/2012/main" xmlns:go="http://customooxmlschemas.google.com/" roundtripDataSignature="AMtx7mg1N4fmKLajmSSvUyUp6ZSh/Wh7vQ==" r:id="rId21"/>
     </p:ext>
   </p:extLst>
 </p:presentation>
@@ -221,7 +221,7 @@
           <a:p>
             <a:fld id="{C40B3AFE-7C7C-4FC9-A8B9-F4DBDC42F3ED}" type="datetimeFigureOut">
               <a:rPr lang="en-US" smtClean="0"/>
-              <a:t>9/12/20</a:t>
+              <a:t>10/11/20</a:t>
             </a:fld>
             <a:endParaRPr lang="en-US"/>
           </a:p>
@@ -671,7 +671,7 @@
           <a:p>
             <a:fld id="{9ECC21AE-C854-42EF-90E6-1016E4386352}" type="datetimeFigureOut">
               <a:rPr lang="en-US" smtClean="0"/>
-              <a:t>9/12/20</a:t>
+              <a:t>10/11/20</a:t>
             </a:fld>
             <a:endParaRPr lang="en-US" dirty="0"/>
           </a:p>
@@ -945,7 +945,7 @@
           <a:p>
             <a:fld id="{9ECC21AE-C854-42EF-90E6-1016E4386352}" type="datetimeFigureOut">
               <a:rPr lang="en-US" smtClean="0"/>
-              <a:t>9/12/20</a:t>
+              <a:t>10/11/20</a:t>
             </a:fld>
             <a:endParaRPr lang="en-US" dirty="0"/>
           </a:p>
@@ -1139,7 +1139,7 @@
           <a:p>
             <a:fld id="{9ECC21AE-C854-42EF-90E6-1016E4386352}" type="datetimeFigureOut">
               <a:rPr lang="en-US" smtClean="0"/>
-              <a:t>9/12/20</a:t>
+              <a:t>10/11/20</a:t>
             </a:fld>
             <a:endParaRPr lang="en-US" dirty="0"/>
           </a:p>
@@ -1407,7 +1407,7 @@
           <a:p>
             <a:fld id="{9ECC21AE-C854-42EF-90E6-1016E4386352}" type="datetimeFigureOut">
               <a:rPr lang="en-US" smtClean="0"/>
-              <a:t>9/12/20</a:t>
+              <a:t>10/11/20</a:t>
             </a:fld>
             <a:endParaRPr lang="en-US" dirty="0"/>
           </a:p>
@@ -1739,7 +1739,7 @@
           <a:p>
             <a:fld id="{9ECC21AE-C854-42EF-90E6-1016E4386352}" type="datetimeFigureOut">
               <a:rPr lang="en-US" smtClean="0"/>
-              <a:t>9/12/20</a:t>
+              <a:t>10/11/20</a:t>
             </a:fld>
             <a:endParaRPr lang="en-US" dirty="0"/>
           </a:p>
@@ -2349,7 +2349,7 @@
           <a:p>
             <a:fld id="{9ECC21AE-C854-42EF-90E6-1016E4386352}" type="datetimeFigureOut">
               <a:rPr lang="en-US" smtClean="0"/>
-              <a:t>9/12/20</a:t>
+              <a:t>10/11/20</a:t>
             </a:fld>
             <a:endParaRPr lang="en-US" dirty="0"/>
           </a:p>
@@ -3193,7 +3193,7 @@
           <a:p>
             <a:fld id="{9ECC21AE-C854-42EF-90E6-1016E4386352}" type="datetimeFigureOut">
               <a:rPr lang="en-US" smtClean="0"/>
-              <a:t>9/12/20</a:t>
+              <a:t>10/11/20</a:t>
             </a:fld>
             <a:endParaRPr lang="en-US" dirty="0"/>
           </a:p>
@@ -3363,7 +3363,7 @@
           <a:p>
             <a:fld id="{9ECC21AE-C854-42EF-90E6-1016E4386352}" type="datetimeFigureOut">
               <a:rPr lang="en-US" smtClean="0"/>
-              <a:t>9/12/20</a:t>
+              <a:t>10/11/20</a:t>
             </a:fld>
             <a:endParaRPr lang="en-US" dirty="0"/>
           </a:p>
@@ -3543,7 +3543,7 @@
           <a:p>
             <a:fld id="{9ECC21AE-C854-42EF-90E6-1016E4386352}" type="datetimeFigureOut">
               <a:rPr lang="en-US" smtClean="0"/>
-              <a:t>9/12/20</a:t>
+              <a:t>10/11/20</a:t>
             </a:fld>
             <a:endParaRPr lang="en-US" dirty="0"/>
           </a:p>
@@ -3742,7 +3742,7 @@
                 </a:solidFill>
               </a:rPr>
               <a:pPr/>
-              <a:t>9/12/20</a:t>
+              <a:t>10/11/20</a:t>
             </a:fld>
             <a:endParaRPr lang="en-US">
               <a:solidFill>
@@ -3940,7 +3940,7 @@
                 </a:solidFill>
               </a:rPr>
               <a:pPr/>
-              <a:t>9/12/20</a:t>
+              <a:t>10/11/20</a:t>
             </a:fld>
             <a:endParaRPr lang="en-US">
               <a:solidFill>
@@ -4131,7 +4131,7 @@
           <a:p>
             <a:fld id="{9ECC21AE-C854-42EF-90E6-1016E4386352}" type="datetimeFigureOut">
               <a:rPr lang="en-US" smtClean="0"/>
-              <a:t>9/12/20</a:t>
+              <a:t>10/11/20</a:t>
             </a:fld>
             <a:endParaRPr lang="en-US" dirty="0"/>
           </a:p>
@@ -4384,7 +4384,7 @@
                 </a:solidFill>
               </a:rPr>
               <a:pPr/>
-              <a:t>9/12/20</a:t>
+              <a:t>10/11/20</a:t>
             </a:fld>
             <a:endParaRPr lang="en-US">
               <a:solidFill>
@@ -4644,7 +4644,7 @@
                 </a:solidFill>
               </a:rPr>
               <a:pPr/>
-              <a:t>9/12/20</a:t>
+              <a:t>10/11/20</a:t>
             </a:fld>
             <a:endParaRPr lang="en-US">
               <a:solidFill>
@@ -5039,7 +5039,7 @@
                 </a:solidFill>
               </a:rPr>
               <a:pPr/>
-              <a:t>9/12/20</a:t>
+              <a:t>10/11/20</a:t>
             </a:fld>
             <a:endParaRPr lang="en-US">
               <a:solidFill>
@@ -5185,7 +5185,7 @@
                 </a:solidFill>
               </a:rPr>
               <a:pPr/>
-              <a:t>9/12/20</a:t>
+              <a:t>10/11/20</a:t>
             </a:fld>
             <a:endParaRPr lang="en-US">
               <a:solidFill>
@@ -5308,7 +5308,7 @@
                 </a:solidFill>
               </a:rPr>
               <a:pPr/>
-              <a:t>9/12/20</a:t>
+              <a:t>10/11/20</a:t>
             </a:fld>
             <a:endParaRPr lang="en-US">
               <a:solidFill>
@@ -5613,7 +5613,7 @@
                 </a:solidFill>
               </a:rPr>
               <a:pPr/>
-              <a:t>9/12/20</a:t>
+              <a:t>10/11/20</a:t>
             </a:fld>
             <a:endParaRPr lang="en-US">
               <a:solidFill>
@@ -5894,7 +5894,7 @@
                 </a:solidFill>
               </a:rPr>
               <a:pPr/>
-              <a:t>9/12/20</a:t>
+              <a:t>10/11/20</a:t>
             </a:fld>
             <a:endParaRPr lang="en-US">
               <a:solidFill>
@@ -6092,7 +6092,7 @@
                 </a:solidFill>
               </a:rPr>
               <a:pPr/>
-              <a:t>9/12/20</a:t>
+              <a:t>10/11/20</a:t>
             </a:fld>
             <a:endParaRPr lang="en-US">
               <a:solidFill>
@@ -6300,7 +6300,7 @@
                 </a:solidFill>
               </a:rPr>
               <a:pPr/>
-              <a:t>9/12/20</a:t>
+              <a:t>10/11/20</a:t>
             </a:fld>
             <a:endParaRPr lang="en-US">
               <a:solidFill>
@@ -6565,7 +6565,7 @@
           <a:p>
             <a:fld id="{9ECC21AE-C854-42EF-90E6-1016E4386352}" type="datetimeFigureOut">
               <a:rPr lang="en-US" smtClean="0"/>
-              <a:t>9/12/20</a:t>
+              <a:t>10/11/20</a:t>
             </a:fld>
             <a:endParaRPr lang="en-US" dirty="0"/>
           </a:p>
@@ -6857,7 +6857,7 @@
           <a:p>
             <a:fld id="{9ECC21AE-C854-42EF-90E6-1016E4386352}" type="datetimeFigureOut">
               <a:rPr lang="en-US" smtClean="0"/>
-              <a:t>9/12/20</a:t>
+              <a:t>10/11/20</a:t>
             </a:fld>
             <a:endParaRPr lang="en-US" dirty="0"/>
           </a:p>
@@ -7295,7 +7295,7 @@
           <a:p>
             <a:fld id="{9ECC21AE-C854-42EF-90E6-1016E4386352}" type="datetimeFigureOut">
               <a:rPr lang="en-US" smtClean="0"/>
-              <a:t>9/12/20</a:t>
+              <a:t>10/11/20</a:t>
             </a:fld>
             <a:endParaRPr lang="en-US" dirty="0"/>
           </a:p>
@@ -7413,7 +7413,7 @@
           <a:p>
             <a:fld id="{9ECC21AE-C854-42EF-90E6-1016E4386352}" type="datetimeFigureOut">
               <a:rPr lang="en-US" smtClean="0"/>
-              <a:t>9/12/20</a:t>
+              <a:t>10/11/20</a:t>
             </a:fld>
             <a:endParaRPr lang="en-US" dirty="0"/>
           </a:p>
@@ -7508,7 +7508,7 @@
           <a:p>
             <a:fld id="{9ECC21AE-C854-42EF-90E6-1016E4386352}" type="datetimeFigureOut">
               <a:rPr lang="en-US" smtClean="0"/>
-              <a:t>9/12/20</a:t>
+              <a:t>10/11/20</a:t>
             </a:fld>
             <a:endParaRPr lang="en-US" dirty="0"/>
           </a:p>
@@ -7787,7 +7787,7 @@
           <a:p>
             <a:fld id="{9ECC21AE-C854-42EF-90E6-1016E4386352}" type="datetimeFigureOut">
               <a:rPr lang="en-US" smtClean="0"/>
-              <a:t>9/12/20</a:t>
+              <a:t>10/11/20</a:t>
             </a:fld>
             <a:endParaRPr lang="en-US" dirty="0"/>
           </a:p>
@@ -8061,7 +8061,7 @@
           <a:p>
             <a:fld id="{9ECC21AE-C854-42EF-90E6-1016E4386352}" type="datetimeFigureOut">
               <a:rPr lang="en-US" smtClean="0"/>
-              <a:t>9/12/20</a:t>
+              <a:t>10/11/20</a:t>
             </a:fld>
             <a:endParaRPr lang="en-US" dirty="0"/>
           </a:p>
@@ -8490,7 +8490,7 @@
           <a:p>
             <a:fld id="{9ECC21AE-C854-42EF-90E6-1016E4386352}" type="datetimeFigureOut">
               <a:rPr lang="en-US" smtClean="0"/>
-              <a:t>9/12/20</a:t>
+              <a:t>10/11/20</a:t>
             </a:fld>
             <a:endParaRPr lang="en-US" dirty="0"/>
           </a:p>
@@ -9135,7 +9135,7 @@
                 <a:sym typeface="Arial"/>
               </a:rPr>
               <a:pPr defTabSz="914400"/>
-              <a:t>9/12/20</a:t>
+              <a:t>10/11/20</a:t>
             </a:fld>
             <a:endParaRPr lang="en-US">
               <a:solidFill>
@@ -9689,15 +9689,7 @@
                 <a:ea typeface="Times New Roman" charset="0"/>
                 <a:cs typeface="Times New Roman" charset="0"/>
               </a:rPr>
-              <a:t>Developed </a:t>
-            </a:r>
-            <a:r>
-              <a:rPr lang="en-US" sz="3600" i="1" dirty="0" smtClean="0">
-                <a:latin typeface="Times New Roman" charset="0"/>
-                <a:ea typeface="Times New Roman" charset="0"/>
-                <a:cs typeface="Times New Roman" charset="0"/>
-              </a:rPr>
-              <a:t>by </a:t>
+              <a:t>Developed by </a:t>
             </a:r>
             <a:r>
               <a:rPr lang="en-US" sz="3600" i="1" dirty="0">
@@ -9789,10 +9781,10 @@
           <p:cNvPr id="8" name="Rectangle 7">
             <a:extLst>
               <a:ext uri="{FF2B5EF4-FFF2-40B4-BE49-F238E27FC236}">
-                <a16:creationId xmlns:a16="http://schemas.microsoft.com/office/drawing/2014/main" xmlns="" id="{74CD14DB-BB81-479F-A1FC-1C75640E9F84}"/>
+                <a16:creationId xmlns="" xmlns:a16="http://schemas.microsoft.com/office/drawing/2014/main" id="{74CD14DB-BB81-479F-A1FC-1C75640E9F84}"/>
               </a:ext>
               <a:ext uri="{C183D7F6-B498-43B3-948B-1728B52AA6E4}">
-                <adec:decorative xmlns:adec="http://schemas.microsoft.com/office/drawing/2017/decorative" xmlns="" val="1"/>
+                <adec:decorative xmlns="" xmlns:adec="http://schemas.microsoft.com/office/drawing/2017/decorative" val="1"/>
               </a:ext>
             </a:extLst>
           </p:cNvPr>
@@ -9878,10 +9870,10 @@
           <p:cNvPr id="10" name="Rectangle 9">
             <a:extLst>
               <a:ext uri="{FF2B5EF4-FFF2-40B4-BE49-F238E27FC236}">
-                <a16:creationId xmlns:a16="http://schemas.microsoft.com/office/drawing/2014/main" xmlns="" id="{C943A91B-7CA7-4592-A975-73B1BF8C4C74}"/>
+                <a16:creationId xmlns="" xmlns:a16="http://schemas.microsoft.com/office/drawing/2014/main" id="{C943A91B-7CA7-4592-A975-73B1BF8C4C74}"/>
               </a:ext>
               <a:ext uri="{C183D7F6-B498-43B3-948B-1728B52AA6E4}">
-                <adec:decorative xmlns:adec="http://schemas.microsoft.com/office/drawing/2017/decorative" xmlns="" val="1"/>
+                <adec:decorative xmlns="" xmlns:adec="http://schemas.microsoft.com/office/drawing/2017/decorative" val="1"/>
               </a:ext>
             </a:extLst>
           </p:cNvPr>
@@ -9931,10 +9923,10 @@
           <p:cNvPr id="12" name="Freeform 7">
             <a:extLst>
               <a:ext uri="{FF2B5EF4-FFF2-40B4-BE49-F238E27FC236}">
-                <a16:creationId xmlns:a16="http://schemas.microsoft.com/office/drawing/2014/main" xmlns="" id="{EC471314-E46A-414B-8D91-74880E84F187}"/>
+                <a16:creationId xmlns="" xmlns:a16="http://schemas.microsoft.com/office/drawing/2014/main" id="{EC471314-E46A-414B-8D91-74880E84F187}"/>
               </a:ext>
               <a:ext uri="{C183D7F6-B498-43B3-948B-1728B52AA6E4}">
-                <adec:decorative xmlns:adec="http://schemas.microsoft.com/office/drawing/2017/decorative" xmlns="" val="1"/>
+                <adec:decorative xmlns="" xmlns:adec="http://schemas.microsoft.com/office/drawing/2017/decorative" val="1"/>
               </a:ext>
             </a:extLst>
           </p:cNvPr>
@@ -10320,10 +10312,10 @@
           <p:cNvPr id="14" name="Freeform: Shape 13">
             <a:extLst>
               <a:ext uri="{FF2B5EF4-FFF2-40B4-BE49-F238E27FC236}">
-                <a16:creationId xmlns:a16="http://schemas.microsoft.com/office/drawing/2014/main" xmlns="" id="{6A681326-1C9D-44A3-A627-3871BDAE4127}"/>
+                <a16:creationId xmlns="" xmlns:a16="http://schemas.microsoft.com/office/drawing/2014/main" id="{6A681326-1C9D-44A3-A627-3871BDAE4127}"/>
               </a:ext>
               <a:ext uri="{C183D7F6-B498-43B3-948B-1728B52AA6E4}">
-                <adec:decorative xmlns:adec="http://schemas.microsoft.com/office/drawing/2017/decorative" xmlns="" val="1"/>
+                <adec:decorative xmlns="" xmlns:adec="http://schemas.microsoft.com/office/drawing/2017/decorative" val="1"/>
               </a:ext>
             </a:extLst>
           </p:cNvPr>
@@ -10783,7 +10775,7 @@
           <p:cNvPr id="2" name="Title 1">
             <a:extLst>
               <a:ext uri="{FF2B5EF4-FFF2-40B4-BE49-F238E27FC236}">
-                <a16:creationId xmlns:a16="http://schemas.microsoft.com/office/drawing/2014/main" xmlns="" id="{5343FD55-52BA-49ED-8622-99BA403F87BD}"/>
+                <a16:creationId xmlns="" xmlns:a16="http://schemas.microsoft.com/office/drawing/2014/main" id="{5343FD55-52BA-49ED-8622-99BA403F87BD}"/>
               </a:ext>
             </a:extLst>
           </p:cNvPr>
@@ -10822,7 +10814,7 @@
           <p:cNvPr id="3" name="Content Placeholder 2">
             <a:extLst>
               <a:ext uri="{FF2B5EF4-FFF2-40B4-BE49-F238E27FC236}">
-                <a16:creationId xmlns:a16="http://schemas.microsoft.com/office/drawing/2014/main" xmlns="" id="{03D921A0-DB4F-49E7-B69F-84CE55C2AD6E}"/>
+                <a16:creationId xmlns="" xmlns:a16="http://schemas.microsoft.com/office/drawing/2014/main" id="{03D921A0-DB4F-49E7-B69F-84CE55C2AD6E}"/>
               </a:ext>
             </a:extLst>
           </p:cNvPr>
@@ -10895,7 +10887,7 @@
           <p:cNvPr id="4" name="Picture 3">
             <a:extLst>
               <a:ext uri="{FF2B5EF4-FFF2-40B4-BE49-F238E27FC236}">
-                <a16:creationId xmlns:a16="http://schemas.microsoft.com/office/drawing/2014/main" xmlns="" id="{39DD5827-B9E1-4E40-A299-29D1DC6B7F7C}"/>
+                <a16:creationId xmlns="" xmlns:a16="http://schemas.microsoft.com/office/drawing/2014/main" id="{39DD5827-B9E1-4E40-A299-29D1DC6B7F7C}"/>
               </a:ext>
             </a:extLst>
           </p:cNvPr>
@@ -10963,10 +10955,10 @@
           <p:cNvPr id="8" name="Rectangle 7">
             <a:extLst>
               <a:ext uri="{FF2B5EF4-FFF2-40B4-BE49-F238E27FC236}">
-                <a16:creationId xmlns:a16="http://schemas.microsoft.com/office/drawing/2014/main" xmlns="" id="{74CD14DB-BB81-479F-A1FC-1C75640E9F84}"/>
+                <a16:creationId xmlns="" xmlns:a16="http://schemas.microsoft.com/office/drawing/2014/main" id="{74CD14DB-BB81-479F-A1FC-1C75640E9F84}"/>
               </a:ext>
               <a:ext uri="{C183D7F6-B498-43B3-948B-1728B52AA6E4}">
-                <adec:decorative xmlns:adec="http://schemas.microsoft.com/office/drawing/2017/decorative" xmlns="" val="1"/>
+                <adec:decorative xmlns="" xmlns:adec="http://schemas.microsoft.com/office/drawing/2017/decorative" val="1"/>
               </a:ext>
             </a:extLst>
           </p:cNvPr>
@@ -11052,10 +11044,10 @@
           <p:cNvPr id="10" name="Rectangle 9">
             <a:extLst>
               <a:ext uri="{FF2B5EF4-FFF2-40B4-BE49-F238E27FC236}">
-                <a16:creationId xmlns:a16="http://schemas.microsoft.com/office/drawing/2014/main" xmlns="" id="{C943A91B-7CA7-4592-A975-73B1BF8C4C74}"/>
+                <a16:creationId xmlns="" xmlns:a16="http://schemas.microsoft.com/office/drawing/2014/main" id="{C943A91B-7CA7-4592-A975-73B1BF8C4C74}"/>
               </a:ext>
               <a:ext uri="{C183D7F6-B498-43B3-948B-1728B52AA6E4}">
-                <adec:decorative xmlns:adec="http://schemas.microsoft.com/office/drawing/2017/decorative" xmlns="" val="1"/>
+                <adec:decorative xmlns="" xmlns:adec="http://schemas.microsoft.com/office/drawing/2017/decorative" val="1"/>
               </a:ext>
             </a:extLst>
           </p:cNvPr>
@@ -11105,10 +11097,10 @@
           <p:cNvPr id="12" name="Freeform 7">
             <a:extLst>
               <a:ext uri="{FF2B5EF4-FFF2-40B4-BE49-F238E27FC236}">
-                <a16:creationId xmlns:a16="http://schemas.microsoft.com/office/drawing/2014/main" xmlns="" id="{EC471314-E46A-414B-8D91-74880E84F187}"/>
+                <a16:creationId xmlns="" xmlns:a16="http://schemas.microsoft.com/office/drawing/2014/main" id="{EC471314-E46A-414B-8D91-74880E84F187}"/>
               </a:ext>
               <a:ext uri="{C183D7F6-B498-43B3-948B-1728B52AA6E4}">
-                <adec:decorative xmlns:adec="http://schemas.microsoft.com/office/drawing/2017/decorative" xmlns="" val="1"/>
+                <adec:decorative xmlns="" xmlns:adec="http://schemas.microsoft.com/office/drawing/2017/decorative" val="1"/>
               </a:ext>
             </a:extLst>
           </p:cNvPr>
@@ -11494,10 +11486,10 @@
           <p:cNvPr id="14" name="Freeform: Shape 13">
             <a:extLst>
               <a:ext uri="{FF2B5EF4-FFF2-40B4-BE49-F238E27FC236}">
-                <a16:creationId xmlns:a16="http://schemas.microsoft.com/office/drawing/2014/main" xmlns="" id="{6A681326-1C9D-44A3-A627-3871BDAE4127}"/>
+                <a16:creationId xmlns="" xmlns:a16="http://schemas.microsoft.com/office/drawing/2014/main" id="{6A681326-1C9D-44A3-A627-3871BDAE4127}"/>
               </a:ext>
               <a:ext uri="{C183D7F6-B498-43B3-948B-1728B52AA6E4}">
-                <adec:decorative xmlns:adec="http://schemas.microsoft.com/office/drawing/2017/decorative" xmlns="" val="1"/>
+                <adec:decorative xmlns="" xmlns:adec="http://schemas.microsoft.com/office/drawing/2017/decorative" val="1"/>
               </a:ext>
             </a:extLst>
           </p:cNvPr>
@@ -11957,7 +11949,7 @@
           <p:cNvPr id="2" name="Title 1">
             <a:extLst>
               <a:ext uri="{FF2B5EF4-FFF2-40B4-BE49-F238E27FC236}">
-                <a16:creationId xmlns:a16="http://schemas.microsoft.com/office/drawing/2014/main" xmlns="" id="{5343FD55-52BA-49ED-8622-99BA403F87BD}"/>
+                <a16:creationId xmlns="" xmlns:a16="http://schemas.microsoft.com/office/drawing/2014/main" id="{5343FD55-52BA-49ED-8622-99BA403F87BD}"/>
               </a:ext>
             </a:extLst>
           </p:cNvPr>
@@ -11996,7 +11988,7 @@
           <p:cNvPr id="3" name="Content Placeholder 2">
             <a:extLst>
               <a:ext uri="{FF2B5EF4-FFF2-40B4-BE49-F238E27FC236}">
-                <a16:creationId xmlns:a16="http://schemas.microsoft.com/office/drawing/2014/main" xmlns="" id="{03D921A0-DB4F-49E7-B69F-84CE55C2AD6E}"/>
+                <a16:creationId xmlns="" xmlns:a16="http://schemas.microsoft.com/office/drawing/2014/main" id="{03D921A0-DB4F-49E7-B69F-84CE55C2AD6E}"/>
               </a:ext>
             </a:extLst>
           </p:cNvPr>
@@ -12176,10 +12168,10 @@
           <p:cNvPr id="8" name="Rectangle 7">
             <a:extLst>
               <a:ext uri="{FF2B5EF4-FFF2-40B4-BE49-F238E27FC236}">
-                <a16:creationId xmlns:a16="http://schemas.microsoft.com/office/drawing/2014/main" xmlns="" id="{74CD14DB-BB81-479F-A1FC-1C75640E9F84}"/>
+                <a16:creationId xmlns="" xmlns:a16="http://schemas.microsoft.com/office/drawing/2014/main" id="{74CD14DB-BB81-479F-A1FC-1C75640E9F84}"/>
               </a:ext>
               <a:ext uri="{C183D7F6-B498-43B3-948B-1728B52AA6E4}">
-                <adec:decorative xmlns:adec="http://schemas.microsoft.com/office/drawing/2017/decorative" xmlns="" val="1"/>
+                <adec:decorative xmlns="" xmlns:adec="http://schemas.microsoft.com/office/drawing/2017/decorative" val="1"/>
               </a:ext>
             </a:extLst>
           </p:cNvPr>
@@ -12265,10 +12257,10 @@
           <p:cNvPr id="10" name="Rectangle 9">
             <a:extLst>
               <a:ext uri="{FF2B5EF4-FFF2-40B4-BE49-F238E27FC236}">
-                <a16:creationId xmlns:a16="http://schemas.microsoft.com/office/drawing/2014/main" xmlns="" id="{C943A91B-7CA7-4592-A975-73B1BF8C4C74}"/>
+                <a16:creationId xmlns="" xmlns:a16="http://schemas.microsoft.com/office/drawing/2014/main" id="{C943A91B-7CA7-4592-A975-73B1BF8C4C74}"/>
               </a:ext>
               <a:ext uri="{C183D7F6-B498-43B3-948B-1728B52AA6E4}">
-                <adec:decorative xmlns:adec="http://schemas.microsoft.com/office/drawing/2017/decorative" xmlns="" val="1"/>
+                <adec:decorative xmlns="" xmlns:adec="http://schemas.microsoft.com/office/drawing/2017/decorative" val="1"/>
               </a:ext>
             </a:extLst>
           </p:cNvPr>
@@ -12318,10 +12310,10 @@
           <p:cNvPr id="12" name="Freeform 7">
             <a:extLst>
               <a:ext uri="{FF2B5EF4-FFF2-40B4-BE49-F238E27FC236}">
-                <a16:creationId xmlns:a16="http://schemas.microsoft.com/office/drawing/2014/main" xmlns="" id="{EC471314-E46A-414B-8D91-74880E84F187}"/>
+                <a16:creationId xmlns="" xmlns:a16="http://schemas.microsoft.com/office/drawing/2014/main" id="{EC471314-E46A-414B-8D91-74880E84F187}"/>
               </a:ext>
               <a:ext uri="{C183D7F6-B498-43B3-948B-1728B52AA6E4}">
-                <adec:decorative xmlns:adec="http://schemas.microsoft.com/office/drawing/2017/decorative" xmlns="" val="1"/>
+                <adec:decorative xmlns="" xmlns:adec="http://schemas.microsoft.com/office/drawing/2017/decorative" val="1"/>
               </a:ext>
             </a:extLst>
           </p:cNvPr>
@@ -12707,10 +12699,10 @@
           <p:cNvPr id="14" name="Freeform: Shape 13">
             <a:extLst>
               <a:ext uri="{FF2B5EF4-FFF2-40B4-BE49-F238E27FC236}">
-                <a16:creationId xmlns:a16="http://schemas.microsoft.com/office/drawing/2014/main" xmlns="" id="{6A681326-1C9D-44A3-A627-3871BDAE4127}"/>
+                <a16:creationId xmlns="" xmlns:a16="http://schemas.microsoft.com/office/drawing/2014/main" id="{6A681326-1C9D-44A3-A627-3871BDAE4127}"/>
               </a:ext>
               <a:ext uri="{C183D7F6-B498-43B3-948B-1728B52AA6E4}">
-                <adec:decorative xmlns:adec="http://schemas.microsoft.com/office/drawing/2017/decorative" xmlns="" val="1"/>
+                <adec:decorative xmlns="" xmlns:adec="http://schemas.microsoft.com/office/drawing/2017/decorative" val="1"/>
               </a:ext>
             </a:extLst>
           </p:cNvPr>
@@ -13170,7 +13162,7 @@
           <p:cNvPr id="2" name="Title 1">
             <a:extLst>
               <a:ext uri="{FF2B5EF4-FFF2-40B4-BE49-F238E27FC236}">
-                <a16:creationId xmlns:a16="http://schemas.microsoft.com/office/drawing/2014/main" xmlns="" id="{5343FD55-52BA-49ED-8622-99BA403F87BD}"/>
+                <a16:creationId xmlns="" xmlns:a16="http://schemas.microsoft.com/office/drawing/2014/main" id="{5343FD55-52BA-49ED-8622-99BA403F87BD}"/>
               </a:ext>
             </a:extLst>
           </p:cNvPr>
@@ -13209,7 +13201,7 @@
           <p:cNvPr id="3" name="Content Placeholder 2">
             <a:extLst>
               <a:ext uri="{FF2B5EF4-FFF2-40B4-BE49-F238E27FC236}">
-                <a16:creationId xmlns:a16="http://schemas.microsoft.com/office/drawing/2014/main" xmlns="" id="{03D921A0-DB4F-49E7-B69F-84CE55C2AD6E}"/>
+                <a16:creationId xmlns="" xmlns:a16="http://schemas.microsoft.com/office/drawing/2014/main" id="{03D921A0-DB4F-49E7-B69F-84CE55C2AD6E}"/>
               </a:ext>
             </a:extLst>
           </p:cNvPr>
@@ -13283,7 +13275,7 @@
           <p:cNvPr id="6" name="Picture 5">
             <a:extLst>
               <a:ext uri="{FF2B5EF4-FFF2-40B4-BE49-F238E27FC236}">
-                <a16:creationId xmlns:a16="http://schemas.microsoft.com/office/drawing/2014/main" xmlns="" id="{3187E33D-E352-4775-A8B2-A5D3B75522FC}"/>
+                <a16:creationId xmlns="" xmlns:a16="http://schemas.microsoft.com/office/drawing/2014/main" id="{3187E33D-E352-4775-A8B2-A5D3B75522FC}"/>
               </a:ext>
             </a:extLst>
           </p:cNvPr>
@@ -13351,10 +13343,10 @@
           <p:cNvPr id="8" name="Rectangle 7">
             <a:extLst>
               <a:ext uri="{FF2B5EF4-FFF2-40B4-BE49-F238E27FC236}">
-                <a16:creationId xmlns:a16="http://schemas.microsoft.com/office/drawing/2014/main" xmlns="" id="{74CD14DB-BB81-479F-A1FC-1C75640E9F84}"/>
+                <a16:creationId xmlns="" xmlns:a16="http://schemas.microsoft.com/office/drawing/2014/main" id="{74CD14DB-BB81-479F-A1FC-1C75640E9F84}"/>
               </a:ext>
               <a:ext uri="{C183D7F6-B498-43B3-948B-1728B52AA6E4}">
-                <adec:decorative xmlns:adec="http://schemas.microsoft.com/office/drawing/2017/decorative" xmlns="" val="1"/>
+                <adec:decorative xmlns="" xmlns:adec="http://schemas.microsoft.com/office/drawing/2017/decorative" val="1"/>
               </a:ext>
             </a:extLst>
           </p:cNvPr>
@@ -13440,10 +13432,10 @@
           <p:cNvPr id="10" name="Rectangle 9">
             <a:extLst>
               <a:ext uri="{FF2B5EF4-FFF2-40B4-BE49-F238E27FC236}">
-                <a16:creationId xmlns:a16="http://schemas.microsoft.com/office/drawing/2014/main" xmlns="" id="{C943A91B-7CA7-4592-A975-73B1BF8C4C74}"/>
+                <a16:creationId xmlns="" xmlns:a16="http://schemas.microsoft.com/office/drawing/2014/main" id="{C943A91B-7CA7-4592-A975-73B1BF8C4C74}"/>
               </a:ext>
               <a:ext uri="{C183D7F6-B498-43B3-948B-1728B52AA6E4}">
-                <adec:decorative xmlns:adec="http://schemas.microsoft.com/office/drawing/2017/decorative" xmlns="" val="1"/>
+                <adec:decorative xmlns="" xmlns:adec="http://schemas.microsoft.com/office/drawing/2017/decorative" val="1"/>
               </a:ext>
             </a:extLst>
           </p:cNvPr>
@@ -13493,10 +13485,10 @@
           <p:cNvPr id="12" name="Freeform 7">
             <a:extLst>
               <a:ext uri="{FF2B5EF4-FFF2-40B4-BE49-F238E27FC236}">
-                <a16:creationId xmlns:a16="http://schemas.microsoft.com/office/drawing/2014/main" xmlns="" id="{EC471314-E46A-414B-8D91-74880E84F187}"/>
+                <a16:creationId xmlns="" xmlns:a16="http://schemas.microsoft.com/office/drawing/2014/main" id="{EC471314-E46A-414B-8D91-74880E84F187}"/>
               </a:ext>
               <a:ext uri="{C183D7F6-B498-43B3-948B-1728B52AA6E4}">
-                <adec:decorative xmlns:adec="http://schemas.microsoft.com/office/drawing/2017/decorative" xmlns="" val="1"/>
+                <adec:decorative xmlns="" xmlns:adec="http://schemas.microsoft.com/office/drawing/2017/decorative" val="1"/>
               </a:ext>
             </a:extLst>
           </p:cNvPr>
@@ -13882,10 +13874,10 @@
           <p:cNvPr id="14" name="Freeform: Shape 13">
             <a:extLst>
               <a:ext uri="{FF2B5EF4-FFF2-40B4-BE49-F238E27FC236}">
-                <a16:creationId xmlns:a16="http://schemas.microsoft.com/office/drawing/2014/main" xmlns="" id="{6A681326-1C9D-44A3-A627-3871BDAE4127}"/>
+                <a16:creationId xmlns="" xmlns:a16="http://schemas.microsoft.com/office/drawing/2014/main" id="{6A681326-1C9D-44A3-A627-3871BDAE4127}"/>
               </a:ext>
               <a:ext uri="{C183D7F6-B498-43B3-948B-1728B52AA6E4}">
-                <adec:decorative xmlns:adec="http://schemas.microsoft.com/office/drawing/2017/decorative" xmlns="" val="1"/>
+                <adec:decorative xmlns="" xmlns:adec="http://schemas.microsoft.com/office/drawing/2017/decorative" val="1"/>
               </a:ext>
             </a:extLst>
           </p:cNvPr>
@@ -14345,7 +14337,7 @@
           <p:cNvPr id="2" name="Title 1">
             <a:extLst>
               <a:ext uri="{FF2B5EF4-FFF2-40B4-BE49-F238E27FC236}">
-                <a16:creationId xmlns:a16="http://schemas.microsoft.com/office/drawing/2014/main" xmlns="" id="{5343FD55-52BA-49ED-8622-99BA403F87BD}"/>
+                <a16:creationId xmlns="" xmlns:a16="http://schemas.microsoft.com/office/drawing/2014/main" id="{5343FD55-52BA-49ED-8622-99BA403F87BD}"/>
               </a:ext>
             </a:extLst>
           </p:cNvPr>
@@ -14384,7 +14376,7 @@
           <p:cNvPr id="3" name="Content Placeholder 2">
             <a:extLst>
               <a:ext uri="{FF2B5EF4-FFF2-40B4-BE49-F238E27FC236}">
-                <a16:creationId xmlns:a16="http://schemas.microsoft.com/office/drawing/2014/main" xmlns="" id="{03D921A0-DB4F-49E7-B69F-84CE55C2AD6E}"/>
+                <a16:creationId xmlns="" xmlns:a16="http://schemas.microsoft.com/office/drawing/2014/main" id="{03D921A0-DB4F-49E7-B69F-84CE55C2AD6E}"/>
               </a:ext>
             </a:extLst>
           </p:cNvPr>
@@ -14505,10 +14497,10 @@
           <p:cNvPr id="8" name="Rectangle 7">
             <a:extLst>
               <a:ext uri="{FF2B5EF4-FFF2-40B4-BE49-F238E27FC236}">
-                <a16:creationId xmlns:a16="http://schemas.microsoft.com/office/drawing/2014/main" xmlns="" id="{74CD14DB-BB81-479F-A1FC-1C75640E9F84}"/>
+                <a16:creationId xmlns="" xmlns:a16="http://schemas.microsoft.com/office/drawing/2014/main" id="{74CD14DB-BB81-479F-A1FC-1C75640E9F84}"/>
               </a:ext>
               <a:ext uri="{C183D7F6-B498-43B3-948B-1728B52AA6E4}">
-                <adec:decorative xmlns:adec="http://schemas.microsoft.com/office/drawing/2017/decorative" xmlns="" val="1"/>
+                <adec:decorative xmlns="" xmlns:adec="http://schemas.microsoft.com/office/drawing/2017/decorative" val="1"/>
               </a:ext>
             </a:extLst>
           </p:cNvPr>
@@ -14594,10 +14586,10 @@
           <p:cNvPr id="10" name="Rectangle 9">
             <a:extLst>
               <a:ext uri="{FF2B5EF4-FFF2-40B4-BE49-F238E27FC236}">
-                <a16:creationId xmlns:a16="http://schemas.microsoft.com/office/drawing/2014/main" xmlns="" id="{C943A91B-7CA7-4592-A975-73B1BF8C4C74}"/>
+                <a16:creationId xmlns="" xmlns:a16="http://schemas.microsoft.com/office/drawing/2014/main" id="{C943A91B-7CA7-4592-A975-73B1BF8C4C74}"/>
               </a:ext>
               <a:ext uri="{C183D7F6-B498-43B3-948B-1728B52AA6E4}">
-                <adec:decorative xmlns:adec="http://schemas.microsoft.com/office/drawing/2017/decorative" xmlns="" val="1"/>
+                <adec:decorative xmlns="" xmlns:adec="http://schemas.microsoft.com/office/drawing/2017/decorative" val="1"/>
               </a:ext>
             </a:extLst>
           </p:cNvPr>
@@ -14647,10 +14639,10 @@
           <p:cNvPr id="12" name="Freeform 7">
             <a:extLst>
               <a:ext uri="{FF2B5EF4-FFF2-40B4-BE49-F238E27FC236}">
-                <a16:creationId xmlns:a16="http://schemas.microsoft.com/office/drawing/2014/main" xmlns="" id="{EC471314-E46A-414B-8D91-74880E84F187}"/>
+                <a16:creationId xmlns="" xmlns:a16="http://schemas.microsoft.com/office/drawing/2014/main" id="{EC471314-E46A-414B-8D91-74880E84F187}"/>
               </a:ext>
               <a:ext uri="{C183D7F6-B498-43B3-948B-1728B52AA6E4}">
-                <adec:decorative xmlns:adec="http://schemas.microsoft.com/office/drawing/2017/decorative" xmlns="" val="1"/>
+                <adec:decorative xmlns="" xmlns:adec="http://schemas.microsoft.com/office/drawing/2017/decorative" val="1"/>
               </a:ext>
             </a:extLst>
           </p:cNvPr>
@@ -15036,10 +15028,10 @@
           <p:cNvPr id="14" name="Freeform: Shape 13">
             <a:extLst>
               <a:ext uri="{FF2B5EF4-FFF2-40B4-BE49-F238E27FC236}">
-                <a16:creationId xmlns:a16="http://schemas.microsoft.com/office/drawing/2014/main" xmlns="" id="{6A681326-1C9D-44A3-A627-3871BDAE4127}"/>
+                <a16:creationId xmlns="" xmlns:a16="http://schemas.microsoft.com/office/drawing/2014/main" id="{6A681326-1C9D-44A3-A627-3871BDAE4127}"/>
               </a:ext>
               <a:ext uri="{C183D7F6-B498-43B3-948B-1728B52AA6E4}">
-                <adec:decorative xmlns:adec="http://schemas.microsoft.com/office/drawing/2017/decorative" xmlns="" val="1"/>
+                <adec:decorative xmlns="" xmlns:adec="http://schemas.microsoft.com/office/drawing/2017/decorative" val="1"/>
               </a:ext>
             </a:extLst>
           </p:cNvPr>
@@ -15499,7 +15491,7 @@
           <p:cNvPr id="2" name="Title 1">
             <a:extLst>
               <a:ext uri="{FF2B5EF4-FFF2-40B4-BE49-F238E27FC236}">
-                <a16:creationId xmlns:a16="http://schemas.microsoft.com/office/drawing/2014/main" xmlns="" id="{5343FD55-52BA-49ED-8622-99BA403F87BD}"/>
+                <a16:creationId xmlns="" xmlns:a16="http://schemas.microsoft.com/office/drawing/2014/main" id="{5343FD55-52BA-49ED-8622-99BA403F87BD}"/>
               </a:ext>
             </a:extLst>
           </p:cNvPr>
@@ -15538,7 +15530,7 @@
           <p:cNvPr id="3" name="Picture 2">
             <a:extLst>
               <a:ext uri="{FF2B5EF4-FFF2-40B4-BE49-F238E27FC236}">
-                <a16:creationId xmlns:a16="http://schemas.microsoft.com/office/drawing/2014/main" xmlns="" id="{EA00D71D-71AF-4E52-9452-877E94418A3C}"/>
+                <a16:creationId xmlns="" xmlns:a16="http://schemas.microsoft.com/office/drawing/2014/main" id="{EA00D71D-71AF-4E52-9452-877E94418A3C}"/>
               </a:ext>
             </a:extLst>
           </p:cNvPr>
@@ -15606,10 +15598,10 @@
           <p:cNvPr id="8" name="Rectangle 7">
             <a:extLst>
               <a:ext uri="{FF2B5EF4-FFF2-40B4-BE49-F238E27FC236}">
-                <a16:creationId xmlns:a16="http://schemas.microsoft.com/office/drawing/2014/main" xmlns="" id="{74CD14DB-BB81-479F-A1FC-1C75640E9F84}"/>
+                <a16:creationId xmlns="" xmlns:a16="http://schemas.microsoft.com/office/drawing/2014/main" id="{74CD14DB-BB81-479F-A1FC-1C75640E9F84}"/>
               </a:ext>
               <a:ext uri="{C183D7F6-B498-43B3-948B-1728B52AA6E4}">
-                <adec:decorative xmlns:adec="http://schemas.microsoft.com/office/drawing/2017/decorative" xmlns="" val="1"/>
+                <adec:decorative xmlns="" xmlns:adec="http://schemas.microsoft.com/office/drawing/2017/decorative" val="1"/>
               </a:ext>
             </a:extLst>
           </p:cNvPr>
@@ -15695,10 +15687,10 @@
           <p:cNvPr id="10" name="Rectangle 9">
             <a:extLst>
               <a:ext uri="{FF2B5EF4-FFF2-40B4-BE49-F238E27FC236}">
-                <a16:creationId xmlns:a16="http://schemas.microsoft.com/office/drawing/2014/main" xmlns="" id="{C943A91B-7CA7-4592-A975-73B1BF8C4C74}"/>
+                <a16:creationId xmlns="" xmlns:a16="http://schemas.microsoft.com/office/drawing/2014/main" id="{C943A91B-7CA7-4592-A975-73B1BF8C4C74}"/>
               </a:ext>
               <a:ext uri="{C183D7F6-B498-43B3-948B-1728B52AA6E4}">
-                <adec:decorative xmlns:adec="http://schemas.microsoft.com/office/drawing/2017/decorative" xmlns="" val="1"/>
+                <adec:decorative xmlns="" xmlns:adec="http://schemas.microsoft.com/office/drawing/2017/decorative" val="1"/>
               </a:ext>
             </a:extLst>
           </p:cNvPr>
@@ -15748,10 +15740,10 @@
           <p:cNvPr id="12" name="Freeform 7">
             <a:extLst>
               <a:ext uri="{FF2B5EF4-FFF2-40B4-BE49-F238E27FC236}">
-                <a16:creationId xmlns:a16="http://schemas.microsoft.com/office/drawing/2014/main" xmlns="" id="{EC471314-E46A-414B-8D91-74880E84F187}"/>
+                <a16:creationId xmlns="" xmlns:a16="http://schemas.microsoft.com/office/drawing/2014/main" id="{EC471314-E46A-414B-8D91-74880E84F187}"/>
               </a:ext>
               <a:ext uri="{C183D7F6-B498-43B3-948B-1728B52AA6E4}">
-                <adec:decorative xmlns:adec="http://schemas.microsoft.com/office/drawing/2017/decorative" xmlns="" val="1"/>
+                <adec:decorative xmlns="" xmlns:adec="http://schemas.microsoft.com/office/drawing/2017/decorative" val="1"/>
               </a:ext>
             </a:extLst>
           </p:cNvPr>
@@ -16137,10 +16129,10 @@
           <p:cNvPr id="14" name="Freeform: Shape 13">
             <a:extLst>
               <a:ext uri="{FF2B5EF4-FFF2-40B4-BE49-F238E27FC236}">
-                <a16:creationId xmlns:a16="http://schemas.microsoft.com/office/drawing/2014/main" xmlns="" id="{6A681326-1C9D-44A3-A627-3871BDAE4127}"/>
+                <a16:creationId xmlns="" xmlns:a16="http://schemas.microsoft.com/office/drawing/2014/main" id="{6A681326-1C9D-44A3-A627-3871BDAE4127}"/>
               </a:ext>
               <a:ext uri="{C183D7F6-B498-43B3-948B-1728B52AA6E4}">
-                <adec:decorative xmlns:adec="http://schemas.microsoft.com/office/drawing/2017/decorative" xmlns="" val="1"/>
+                <adec:decorative xmlns="" xmlns:adec="http://schemas.microsoft.com/office/drawing/2017/decorative" val="1"/>
               </a:ext>
             </a:extLst>
           </p:cNvPr>
@@ -16600,7 +16592,7 @@
           <p:cNvPr id="2" name="Title 1">
             <a:extLst>
               <a:ext uri="{FF2B5EF4-FFF2-40B4-BE49-F238E27FC236}">
-                <a16:creationId xmlns:a16="http://schemas.microsoft.com/office/drawing/2014/main" xmlns="" id="{2711179C-96B1-4D42-B0BC-8CDF62250646}"/>
+                <a16:creationId xmlns="" xmlns:a16="http://schemas.microsoft.com/office/drawing/2014/main" id="{2711179C-96B1-4D42-B0BC-8CDF62250646}"/>
               </a:ext>
             </a:extLst>
           </p:cNvPr>
@@ -16677,7 +16669,7 @@
         <p:spPr>
           <a:xfrm>
             <a:off x="754743" y="0"/>
-            <a:ext cx="10682514" cy="6858000"/>
+            <a:ext cx="10682515" cy="6858000"/>
           </a:xfrm>
         </p:spPr>
         <p:txBody>
@@ -16688,7 +16680,7 @@
           <a:p>
             <a:pPr algn="l" fontAlgn="ctr"/>
             <a:r>
-              <a:rPr lang="en-US" sz="2800" dirty="0" smtClean="0">
+              <a:rPr lang="en-US" sz="2800" dirty="0">
                 <a:latin typeface="Times New Roman" charset="0"/>
                 <a:ea typeface="Times New Roman" charset="0"/>
                 <a:cs typeface="Times New Roman" charset="0"/>
@@ -16696,14 +16688,14 @@
               <a:t>Except where otherwise noted, this work by</a:t>
             </a:r>
             <a:br>
-              <a:rPr lang="en-US" sz="2800" dirty="0" smtClean="0">
+              <a:rPr lang="en-US" sz="2800" dirty="0">
                 <a:latin typeface="Times New Roman" charset="0"/>
                 <a:ea typeface="Times New Roman" charset="0"/>
                 <a:cs typeface="Times New Roman" charset="0"/>
               </a:rPr>
             </a:br>
             <a:r>
-              <a:rPr lang="en-US" sz="2800" dirty="0" smtClean="0">
+              <a:rPr lang="en-US" sz="2800" dirty="0">
                 <a:latin typeface="Times New Roman" charset="0"/>
                 <a:ea typeface="Times New Roman" charset="0"/>
                 <a:cs typeface="Times New Roman" charset="0"/>
@@ -16711,31 +16703,56 @@
               <a:t>The Shodor Education Foundation, Inc. is licensed under</a:t>
             </a:r>
             <a:br>
-              <a:rPr lang="en-US" sz="2800" dirty="0" smtClean="0">
+              <a:rPr lang="en-US" sz="2800" dirty="0">
                 <a:latin typeface="Times New Roman" charset="0"/>
                 <a:ea typeface="Times New Roman" charset="0"/>
                 <a:cs typeface="Times New Roman" charset="0"/>
               </a:rPr>
             </a:br>
             <a:r>
-              <a:rPr lang="en-US" sz="2800" dirty="0" smtClean="0">
+              <a:rPr lang="en-US" sz="2800" dirty="0">
                 <a:latin typeface="Times New Roman" charset="0"/>
                 <a:ea typeface="Times New Roman" charset="0"/>
                 <a:cs typeface="Times New Roman" charset="0"/>
               </a:rPr>
-              <a:t>CC BY-NC 4.0. To view a copy of this license, visit </a:t>
-            </a:r>
-            <a:r>
-              <a:rPr lang="en-US" sz="2800" dirty="0" smtClean="0">
+              <a:t>CC </a:t>
+            </a:r>
+            <a:r>
+              <a:rPr lang="en-US" sz="2800" dirty="0">
+                <a:latin typeface="Times New Roman" charset="0"/>
+                <a:ea typeface="Times New Roman" charset="0"/>
+                <a:cs typeface="Times New Roman" charset="0"/>
+              </a:rPr>
+              <a:t>BY-SA </a:t>
+            </a:r>
+            <a:r>
+              <a:rPr lang="en-US" sz="2800" dirty="0">
+                <a:latin typeface="Times New Roman" charset="0"/>
+                <a:ea typeface="Times New Roman" charset="0"/>
+                <a:cs typeface="Times New Roman" charset="0"/>
+              </a:rPr>
+              <a:t>4.0. To view a copy of this license, visit </a:t>
+            </a:r>
+            <a:r>
+              <a:rPr lang="en-US" sz="2800" dirty="0">
                 <a:latin typeface="Times New Roman" charset="0"/>
                 <a:ea typeface="Times New Roman" charset="0"/>
                 <a:cs typeface="Times New Roman" charset="0"/>
                 <a:hlinkClick r:id="rId2"/>
               </a:rPr>
-              <a:t>https://creativecommons.org/licenses/by-nc/4.0</a:t>
-            </a:r>
-            <a:r>
-              <a:rPr lang="en-US" sz="2800" dirty="0" smtClean="0">
+              <a:t>https://</a:t>
+            </a:r>
+            <a:r>
+              <a:rPr lang="en-US" sz="2800" dirty="0">
+                <a:latin typeface="Times New Roman" charset="0"/>
+                <a:ea typeface="Times New Roman" charset="0"/>
+                <a:cs typeface="Times New Roman" charset="0"/>
+                <a:hlinkClick r:id="rId2"/>
+              </a:rPr>
+              <a:t>creativecommons.org/licenses/by-sa/4.0</a:t>
+            </a:r>
+            <a:r>
+              <a:rPr lang="en-US" sz="2800" dirty="0">
                 <a:latin typeface="Times New Roman" charset="0"/>
                 <a:ea typeface="Times New Roman" charset="0"/>
                 <a:cs typeface="Times New Roman" charset="0"/>
@@ -16743,14 +16760,14 @@
               <a:t/>
             </a:r>
             <a:br>
-              <a:rPr lang="en-US" sz="2800" dirty="0" smtClean="0">
+              <a:rPr lang="en-US" sz="2800" dirty="0">
                 <a:latin typeface="Times New Roman" charset="0"/>
                 <a:ea typeface="Times New Roman" charset="0"/>
                 <a:cs typeface="Times New Roman" charset="0"/>
               </a:rPr>
             </a:br>
             <a:r>
-              <a:rPr lang="en-US" sz="2800" dirty="0" smtClean="0">
+              <a:rPr lang="en-US" sz="2800" dirty="0">
                 <a:latin typeface="Times New Roman" charset="0"/>
                 <a:ea typeface="Times New Roman" charset="0"/>
                 <a:cs typeface="Times New Roman" charset="0"/>
@@ -16758,14 +16775,14 @@
               <a:t/>
             </a:r>
             <a:br>
-              <a:rPr lang="en-US" sz="2800" dirty="0" smtClean="0">
+              <a:rPr lang="en-US" sz="2800" dirty="0">
                 <a:latin typeface="Times New Roman" charset="0"/>
                 <a:ea typeface="Times New Roman" charset="0"/>
                 <a:cs typeface="Times New Roman" charset="0"/>
               </a:rPr>
             </a:br>
             <a:r>
-              <a:rPr lang="en-US" sz="2800" dirty="0" smtClean="0">
+              <a:rPr lang="en-US" sz="2800" dirty="0">
                 <a:latin typeface="Times New Roman" charset="0"/>
                 <a:ea typeface="Times New Roman" charset="0"/>
                 <a:cs typeface="Times New Roman" charset="0"/>
@@ -16773,7 +16790,7 @@
               <a:t>Browse and search the full curriculum at </a:t>
             </a:r>
             <a:r>
-              <a:rPr lang="en-US" sz="2800" dirty="0" smtClean="0">
+              <a:rPr lang="en-US" sz="2800" dirty="0">
                 <a:latin typeface="Times New Roman" charset="0"/>
                 <a:ea typeface="Times New Roman" charset="0"/>
                 <a:cs typeface="Times New Roman" charset="0"/>
@@ -16782,7 +16799,7 @@
               <a:t>http://shodor.org/petascale/materials/semester-curriculum</a:t>
             </a:r>
             <a:r>
-              <a:rPr lang="en-US" sz="2800" dirty="0" smtClean="0">
+              <a:rPr lang="en-US" sz="2800" dirty="0">
                 <a:latin typeface="Times New Roman" charset="0"/>
                 <a:ea typeface="Times New Roman" charset="0"/>
                 <a:cs typeface="Times New Roman" charset="0"/>
@@ -16790,14 +16807,14 @@
               <a:t/>
             </a:r>
             <a:br>
-              <a:rPr lang="en-US" sz="2800" dirty="0" smtClean="0">
+              <a:rPr lang="en-US" sz="2800" dirty="0">
                 <a:latin typeface="Times New Roman" charset="0"/>
                 <a:ea typeface="Times New Roman" charset="0"/>
                 <a:cs typeface="Times New Roman" charset="0"/>
               </a:rPr>
             </a:br>
             <a:r>
-              <a:rPr lang="en-US" sz="2800" dirty="0" smtClean="0">
+              <a:rPr lang="en-US" sz="2800" dirty="0">
                 <a:latin typeface="Times New Roman" charset="0"/>
                 <a:ea typeface="Times New Roman" charset="0"/>
                 <a:cs typeface="Times New Roman" charset="0"/>
@@ -16805,14 +16822,14 @@
               <a:t/>
             </a:r>
             <a:br>
-              <a:rPr lang="en-US" sz="2800" dirty="0" smtClean="0">
+              <a:rPr lang="en-US" sz="2800" dirty="0">
                 <a:latin typeface="Times New Roman" charset="0"/>
                 <a:ea typeface="Times New Roman" charset="0"/>
                 <a:cs typeface="Times New Roman" charset="0"/>
               </a:rPr>
             </a:br>
             <a:r>
-              <a:rPr lang="en-US" sz="2800" dirty="0" smtClean="0">
+              <a:rPr lang="en-US" sz="2800" dirty="0">
                 <a:latin typeface="Times New Roman" charset="0"/>
                 <a:ea typeface="Times New Roman" charset="0"/>
                 <a:cs typeface="Times New Roman" charset="0"/>
@@ -16820,7 +16837,7 @@
               <a:t>We welcome your improvements! You can submit your proposed changes to this material and the rest of the curriculum in our GitHub repository at </a:t>
             </a:r>
             <a:r>
-              <a:rPr lang="en-US" sz="2800" dirty="0" smtClean="0">
+              <a:rPr lang="en-US" sz="2800" dirty="0">
                 <a:latin typeface="Times New Roman" charset="0"/>
                 <a:ea typeface="Times New Roman" charset="0"/>
                 <a:cs typeface="Times New Roman" charset="0"/>
@@ -16829,7 +16846,7 @@
               <a:t>https://github.com/shodor-education/petascale-semester-curriculum</a:t>
             </a:r>
             <a:r>
-              <a:rPr lang="en-US" sz="2800" dirty="0" smtClean="0">
+              <a:rPr lang="en-US" sz="2800" dirty="0">
                 <a:latin typeface="Times New Roman" charset="0"/>
                 <a:ea typeface="Times New Roman" charset="0"/>
                 <a:cs typeface="Times New Roman" charset="0"/>
@@ -16837,14 +16854,14 @@
               <a:t/>
             </a:r>
             <a:br>
-              <a:rPr lang="en-US" sz="2800" dirty="0" smtClean="0">
+              <a:rPr lang="en-US" sz="2800" dirty="0">
                 <a:latin typeface="Times New Roman" charset="0"/>
                 <a:ea typeface="Times New Roman" charset="0"/>
                 <a:cs typeface="Times New Roman" charset="0"/>
               </a:rPr>
             </a:br>
             <a:r>
-              <a:rPr lang="en-US" sz="2800" dirty="0" smtClean="0">
+              <a:rPr lang="en-US" sz="2800" dirty="0">
                 <a:latin typeface="Times New Roman" charset="0"/>
                 <a:ea typeface="Times New Roman" charset="0"/>
                 <a:cs typeface="Times New Roman" charset="0"/>
@@ -16852,14 +16869,14 @@
               <a:t/>
             </a:r>
             <a:br>
-              <a:rPr lang="en-US" sz="2800" dirty="0" smtClean="0">
+              <a:rPr lang="en-US" sz="2800" dirty="0">
                 <a:latin typeface="Times New Roman" charset="0"/>
                 <a:ea typeface="Times New Roman" charset="0"/>
                 <a:cs typeface="Times New Roman" charset="0"/>
               </a:rPr>
             </a:br>
             <a:r>
-              <a:rPr lang="en-US" sz="2800" dirty="0" smtClean="0">
+              <a:rPr lang="en-US" sz="2800" dirty="0">
                 <a:latin typeface="Times New Roman" charset="0"/>
                 <a:ea typeface="Times New Roman" charset="0"/>
                 <a:cs typeface="Times New Roman" charset="0"/>
@@ -16867,7 +16884,7 @@
               <a:t>We want to hear from you! Please let us know your experiences using this material by sending email to </a:t>
             </a:r>
             <a:r>
-              <a:rPr lang="en-US" sz="2800" dirty="0" smtClean="0">
+              <a:rPr lang="en-US" sz="2800" dirty="0">
                 <a:latin typeface="Times New Roman" charset="0"/>
                 <a:ea typeface="Times New Roman" charset="0"/>
                 <a:cs typeface="Times New Roman" charset="0"/>
@@ -16886,7 +16903,7 @@
     </p:spTree>
     <p:extLst>
       <p:ext uri="{BB962C8B-B14F-4D97-AF65-F5344CB8AC3E}">
-        <p14:creationId xmlns:p14="http://schemas.microsoft.com/office/powerpoint/2010/main" val="70134046"/>
+        <p14:creationId xmlns:p14="http://schemas.microsoft.com/office/powerpoint/2010/main" val="1983771634"/>
       </p:ext>
     </p:extLst>
   </p:cSld>
@@ -16946,10 +16963,10 @@
           <p:cNvPr id="8" name="Rectangle 7">
             <a:extLst>
               <a:ext uri="{FF2B5EF4-FFF2-40B4-BE49-F238E27FC236}">
-                <a16:creationId xmlns:a16="http://schemas.microsoft.com/office/drawing/2014/main" xmlns="" id="{DE27238C-8EAF-4098-86E6-7723B7DAE601}"/>
+                <a16:creationId xmlns="" xmlns:a16="http://schemas.microsoft.com/office/drawing/2014/main" id="{DE27238C-8EAF-4098-86E6-7723B7DAE601}"/>
               </a:ext>
               <a:ext uri="{C183D7F6-B498-43B3-948B-1728B52AA6E4}">
-                <adec:decorative xmlns:adec="http://schemas.microsoft.com/office/drawing/2017/decorative" xmlns="" val="1"/>
+                <adec:decorative xmlns="" xmlns:adec="http://schemas.microsoft.com/office/drawing/2017/decorative" val="1"/>
               </a:ext>
             </a:extLst>
           </p:cNvPr>
@@ -17009,10 +17026,10 @@
           <p:cNvPr id="10" name="Freeform 36">
             <a:extLst>
               <a:ext uri="{FF2B5EF4-FFF2-40B4-BE49-F238E27FC236}">
-                <a16:creationId xmlns:a16="http://schemas.microsoft.com/office/drawing/2014/main" xmlns="" id="{992F97B1-1891-4FCC-9E5F-BA97EDB48F89}"/>
+                <a16:creationId xmlns="" xmlns:a16="http://schemas.microsoft.com/office/drawing/2014/main" id="{992F97B1-1891-4FCC-9E5F-BA97EDB48F89}"/>
               </a:ext>
               <a:ext uri="{C183D7F6-B498-43B3-948B-1728B52AA6E4}">
-                <adec:decorative xmlns:adec="http://schemas.microsoft.com/office/drawing/2017/decorative" xmlns="" val="1"/>
+                <adec:decorative xmlns="" xmlns:adec="http://schemas.microsoft.com/office/drawing/2017/decorative" val="1"/>
               </a:ext>
             </a:extLst>
           </p:cNvPr>
@@ -17363,10 +17380,10 @@
           <p:cNvPr id="12" name="Freeform: Shape 11">
             <a:extLst>
               <a:ext uri="{FF2B5EF4-FFF2-40B4-BE49-F238E27FC236}">
-                <a16:creationId xmlns:a16="http://schemas.microsoft.com/office/drawing/2014/main" xmlns="" id="{78C6C821-FEE1-4EB6-9590-C021440C77DE}"/>
+                <a16:creationId xmlns="" xmlns:a16="http://schemas.microsoft.com/office/drawing/2014/main" id="{78C6C821-FEE1-4EB6-9590-C021440C77DE}"/>
               </a:ext>
               <a:ext uri="{C183D7F6-B498-43B3-948B-1728B52AA6E4}">
-                <adec:decorative xmlns:adec="http://schemas.microsoft.com/office/drawing/2017/decorative" xmlns="" val="1"/>
+                <adec:decorative xmlns="" xmlns:adec="http://schemas.microsoft.com/office/drawing/2017/decorative" val="1"/>
               </a:ext>
             </a:extLst>
           </p:cNvPr>
@@ -17907,7 +17924,7 @@
           <p:cNvPr id="2" name="Title 1">
             <a:extLst>
               <a:ext uri="{FF2B5EF4-FFF2-40B4-BE49-F238E27FC236}">
-                <a16:creationId xmlns:a16="http://schemas.microsoft.com/office/drawing/2014/main" xmlns="" id="{B4A50DC5-78F7-43A1-BB91-7DBF8F6AEF90}"/>
+                <a16:creationId xmlns="" xmlns:a16="http://schemas.microsoft.com/office/drawing/2014/main" id="{B4A50DC5-78F7-43A1-BB91-7DBF8F6AEF90}"/>
               </a:ext>
             </a:extLst>
           </p:cNvPr>
@@ -17947,10 +17964,10 @@
           <p:cNvPr id="14" name="Rectangle 13">
             <a:extLst>
               <a:ext uri="{FF2B5EF4-FFF2-40B4-BE49-F238E27FC236}">
-                <a16:creationId xmlns:a16="http://schemas.microsoft.com/office/drawing/2014/main" xmlns="" id="{B61A74B3-E247-44D4-8C48-FAE8E2056401}"/>
+                <a16:creationId xmlns="" xmlns:a16="http://schemas.microsoft.com/office/drawing/2014/main" id="{B61A74B3-E247-44D4-8C48-FAE8E2056401}"/>
               </a:ext>
               <a:ext uri="{C183D7F6-B498-43B3-948B-1728B52AA6E4}">
-                <adec:decorative xmlns:adec="http://schemas.microsoft.com/office/drawing/2017/decorative" xmlns="" val="1"/>
+                <adec:decorative xmlns="" xmlns:adec="http://schemas.microsoft.com/office/drawing/2017/decorative" val="1"/>
               </a:ext>
             </a:extLst>
           </p:cNvPr>
@@ -18038,10 +18055,10 @@
           <p:cNvPr id="8" name="Rectangle 7">
             <a:extLst>
               <a:ext uri="{FF2B5EF4-FFF2-40B4-BE49-F238E27FC236}">
-                <a16:creationId xmlns:a16="http://schemas.microsoft.com/office/drawing/2014/main" xmlns="" id="{74CD14DB-BB81-479F-A1FC-1C75640E9F84}"/>
+                <a16:creationId xmlns="" xmlns:a16="http://schemas.microsoft.com/office/drawing/2014/main" id="{74CD14DB-BB81-479F-A1FC-1C75640E9F84}"/>
               </a:ext>
               <a:ext uri="{C183D7F6-B498-43B3-948B-1728B52AA6E4}">
-                <adec:decorative xmlns:adec="http://schemas.microsoft.com/office/drawing/2017/decorative" xmlns="" val="1"/>
+                <adec:decorative xmlns="" xmlns:adec="http://schemas.microsoft.com/office/drawing/2017/decorative" val="1"/>
               </a:ext>
             </a:extLst>
           </p:cNvPr>
@@ -18127,10 +18144,10 @@
           <p:cNvPr id="10" name="Rectangle 9">
             <a:extLst>
               <a:ext uri="{FF2B5EF4-FFF2-40B4-BE49-F238E27FC236}">
-                <a16:creationId xmlns:a16="http://schemas.microsoft.com/office/drawing/2014/main" xmlns="" id="{C943A91B-7CA7-4592-A975-73B1BF8C4C74}"/>
+                <a16:creationId xmlns="" xmlns:a16="http://schemas.microsoft.com/office/drawing/2014/main" id="{C943A91B-7CA7-4592-A975-73B1BF8C4C74}"/>
               </a:ext>
               <a:ext uri="{C183D7F6-B498-43B3-948B-1728B52AA6E4}">
-                <adec:decorative xmlns:adec="http://schemas.microsoft.com/office/drawing/2017/decorative" xmlns="" val="1"/>
+                <adec:decorative xmlns="" xmlns:adec="http://schemas.microsoft.com/office/drawing/2017/decorative" val="1"/>
               </a:ext>
             </a:extLst>
           </p:cNvPr>
@@ -18180,10 +18197,10 @@
           <p:cNvPr id="12" name="Freeform 7">
             <a:extLst>
               <a:ext uri="{FF2B5EF4-FFF2-40B4-BE49-F238E27FC236}">
-                <a16:creationId xmlns:a16="http://schemas.microsoft.com/office/drawing/2014/main" xmlns="" id="{EC471314-E46A-414B-8D91-74880E84F187}"/>
+                <a16:creationId xmlns="" xmlns:a16="http://schemas.microsoft.com/office/drawing/2014/main" id="{EC471314-E46A-414B-8D91-74880E84F187}"/>
               </a:ext>
               <a:ext uri="{C183D7F6-B498-43B3-948B-1728B52AA6E4}">
-                <adec:decorative xmlns:adec="http://schemas.microsoft.com/office/drawing/2017/decorative" xmlns="" val="1"/>
+                <adec:decorative xmlns="" xmlns:adec="http://schemas.microsoft.com/office/drawing/2017/decorative" val="1"/>
               </a:ext>
             </a:extLst>
           </p:cNvPr>
@@ -18569,10 +18586,10 @@
           <p:cNvPr id="14" name="Freeform: Shape 13">
             <a:extLst>
               <a:ext uri="{FF2B5EF4-FFF2-40B4-BE49-F238E27FC236}">
-                <a16:creationId xmlns:a16="http://schemas.microsoft.com/office/drawing/2014/main" xmlns="" id="{6A681326-1C9D-44A3-A627-3871BDAE4127}"/>
+                <a16:creationId xmlns="" xmlns:a16="http://schemas.microsoft.com/office/drawing/2014/main" id="{6A681326-1C9D-44A3-A627-3871BDAE4127}"/>
               </a:ext>
               <a:ext uri="{C183D7F6-B498-43B3-948B-1728B52AA6E4}">
-                <adec:decorative xmlns:adec="http://schemas.microsoft.com/office/drawing/2017/decorative" xmlns="" val="1"/>
+                <adec:decorative xmlns="" xmlns:adec="http://schemas.microsoft.com/office/drawing/2017/decorative" val="1"/>
               </a:ext>
             </a:extLst>
           </p:cNvPr>
@@ -19032,7 +19049,7 @@
           <p:cNvPr id="2" name="Title 1">
             <a:extLst>
               <a:ext uri="{FF2B5EF4-FFF2-40B4-BE49-F238E27FC236}">
-                <a16:creationId xmlns:a16="http://schemas.microsoft.com/office/drawing/2014/main" xmlns="" id="{5343FD55-52BA-49ED-8622-99BA403F87BD}"/>
+                <a16:creationId xmlns="" xmlns:a16="http://schemas.microsoft.com/office/drawing/2014/main" id="{5343FD55-52BA-49ED-8622-99BA403F87BD}"/>
               </a:ext>
             </a:extLst>
           </p:cNvPr>
@@ -19071,7 +19088,7 @@
           <p:cNvPr id="3" name="Content Placeholder 2">
             <a:extLst>
               <a:ext uri="{FF2B5EF4-FFF2-40B4-BE49-F238E27FC236}">
-                <a16:creationId xmlns:a16="http://schemas.microsoft.com/office/drawing/2014/main" xmlns="" id="{03D921A0-DB4F-49E7-B69F-84CE55C2AD6E}"/>
+                <a16:creationId xmlns="" xmlns:a16="http://schemas.microsoft.com/office/drawing/2014/main" id="{03D921A0-DB4F-49E7-B69F-84CE55C2AD6E}"/>
               </a:ext>
             </a:extLst>
           </p:cNvPr>
@@ -19276,10 +19293,10 @@
           <p:cNvPr id="8" name="Rectangle 7">
             <a:extLst>
               <a:ext uri="{FF2B5EF4-FFF2-40B4-BE49-F238E27FC236}">
-                <a16:creationId xmlns:a16="http://schemas.microsoft.com/office/drawing/2014/main" xmlns="" id="{74CD14DB-BB81-479F-A1FC-1C75640E9F84}"/>
+                <a16:creationId xmlns="" xmlns:a16="http://schemas.microsoft.com/office/drawing/2014/main" id="{74CD14DB-BB81-479F-A1FC-1C75640E9F84}"/>
               </a:ext>
               <a:ext uri="{C183D7F6-B498-43B3-948B-1728B52AA6E4}">
-                <adec:decorative xmlns:adec="http://schemas.microsoft.com/office/drawing/2017/decorative" xmlns="" val="1"/>
+                <adec:decorative xmlns="" xmlns:adec="http://schemas.microsoft.com/office/drawing/2017/decorative" val="1"/>
               </a:ext>
             </a:extLst>
           </p:cNvPr>
@@ -19365,10 +19382,10 @@
           <p:cNvPr id="10" name="Rectangle 9">
             <a:extLst>
               <a:ext uri="{FF2B5EF4-FFF2-40B4-BE49-F238E27FC236}">
-                <a16:creationId xmlns:a16="http://schemas.microsoft.com/office/drawing/2014/main" xmlns="" id="{C943A91B-7CA7-4592-A975-73B1BF8C4C74}"/>
+                <a16:creationId xmlns="" xmlns:a16="http://schemas.microsoft.com/office/drawing/2014/main" id="{C943A91B-7CA7-4592-A975-73B1BF8C4C74}"/>
               </a:ext>
               <a:ext uri="{C183D7F6-B498-43B3-948B-1728B52AA6E4}">
-                <adec:decorative xmlns:adec="http://schemas.microsoft.com/office/drawing/2017/decorative" xmlns="" val="1"/>
+                <adec:decorative xmlns="" xmlns:adec="http://schemas.microsoft.com/office/drawing/2017/decorative" val="1"/>
               </a:ext>
             </a:extLst>
           </p:cNvPr>
@@ -19418,10 +19435,10 @@
           <p:cNvPr id="12" name="Freeform 7">
             <a:extLst>
               <a:ext uri="{FF2B5EF4-FFF2-40B4-BE49-F238E27FC236}">
-                <a16:creationId xmlns:a16="http://schemas.microsoft.com/office/drawing/2014/main" xmlns="" id="{EC471314-E46A-414B-8D91-74880E84F187}"/>
+                <a16:creationId xmlns="" xmlns:a16="http://schemas.microsoft.com/office/drawing/2014/main" id="{EC471314-E46A-414B-8D91-74880E84F187}"/>
               </a:ext>
               <a:ext uri="{C183D7F6-B498-43B3-948B-1728B52AA6E4}">
-                <adec:decorative xmlns:adec="http://schemas.microsoft.com/office/drawing/2017/decorative" xmlns="" val="1"/>
+                <adec:decorative xmlns="" xmlns:adec="http://schemas.microsoft.com/office/drawing/2017/decorative" val="1"/>
               </a:ext>
             </a:extLst>
           </p:cNvPr>
@@ -19807,10 +19824,10 @@
           <p:cNvPr id="14" name="Freeform: Shape 13">
             <a:extLst>
               <a:ext uri="{FF2B5EF4-FFF2-40B4-BE49-F238E27FC236}">
-                <a16:creationId xmlns:a16="http://schemas.microsoft.com/office/drawing/2014/main" xmlns="" id="{6A681326-1C9D-44A3-A627-3871BDAE4127}"/>
+                <a16:creationId xmlns="" xmlns:a16="http://schemas.microsoft.com/office/drawing/2014/main" id="{6A681326-1C9D-44A3-A627-3871BDAE4127}"/>
               </a:ext>
               <a:ext uri="{C183D7F6-B498-43B3-948B-1728B52AA6E4}">
-                <adec:decorative xmlns:adec="http://schemas.microsoft.com/office/drawing/2017/decorative" xmlns="" val="1"/>
+                <adec:decorative xmlns="" xmlns:adec="http://schemas.microsoft.com/office/drawing/2017/decorative" val="1"/>
               </a:ext>
             </a:extLst>
           </p:cNvPr>
@@ -20270,7 +20287,7 @@
           <p:cNvPr id="2" name="Title 1">
             <a:extLst>
               <a:ext uri="{FF2B5EF4-FFF2-40B4-BE49-F238E27FC236}">
-                <a16:creationId xmlns:a16="http://schemas.microsoft.com/office/drawing/2014/main" xmlns="" id="{5343FD55-52BA-49ED-8622-99BA403F87BD}"/>
+                <a16:creationId xmlns="" xmlns:a16="http://schemas.microsoft.com/office/drawing/2014/main" id="{5343FD55-52BA-49ED-8622-99BA403F87BD}"/>
               </a:ext>
             </a:extLst>
           </p:cNvPr>
@@ -20309,7 +20326,7 @@
           <p:cNvPr id="3" name="Content Placeholder 2">
             <a:extLst>
               <a:ext uri="{FF2B5EF4-FFF2-40B4-BE49-F238E27FC236}">
-                <a16:creationId xmlns:a16="http://schemas.microsoft.com/office/drawing/2014/main" xmlns="" id="{03D921A0-DB4F-49E7-B69F-84CE55C2AD6E}"/>
+                <a16:creationId xmlns="" xmlns:a16="http://schemas.microsoft.com/office/drawing/2014/main" id="{03D921A0-DB4F-49E7-B69F-84CE55C2AD6E}"/>
               </a:ext>
             </a:extLst>
           </p:cNvPr>
@@ -20426,10 +20443,10 @@
           <p:cNvPr id="8" name="Rectangle 7">
             <a:extLst>
               <a:ext uri="{FF2B5EF4-FFF2-40B4-BE49-F238E27FC236}">
-                <a16:creationId xmlns:a16="http://schemas.microsoft.com/office/drawing/2014/main" xmlns="" id="{74CD14DB-BB81-479F-A1FC-1C75640E9F84}"/>
+                <a16:creationId xmlns="" xmlns:a16="http://schemas.microsoft.com/office/drawing/2014/main" id="{74CD14DB-BB81-479F-A1FC-1C75640E9F84}"/>
               </a:ext>
               <a:ext uri="{C183D7F6-B498-43B3-948B-1728B52AA6E4}">
-                <adec:decorative xmlns:adec="http://schemas.microsoft.com/office/drawing/2017/decorative" xmlns="" val="1"/>
+                <adec:decorative xmlns="" xmlns:adec="http://schemas.microsoft.com/office/drawing/2017/decorative" val="1"/>
               </a:ext>
             </a:extLst>
           </p:cNvPr>
@@ -20515,10 +20532,10 @@
           <p:cNvPr id="10" name="Rectangle 9">
             <a:extLst>
               <a:ext uri="{FF2B5EF4-FFF2-40B4-BE49-F238E27FC236}">
-                <a16:creationId xmlns:a16="http://schemas.microsoft.com/office/drawing/2014/main" xmlns="" id="{C943A91B-7CA7-4592-A975-73B1BF8C4C74}"/>
+                <a16:creationId xmlns="" xmlns:a16="http://schemas.microsoft.com/office/drawing/2014/main" id="{C943A91B-7CA7-4592-A975-73B1BF8C4C74}"/>
               </a:ext>
               <a:ext uri="{C183D7F6-B498-43B3-948B-1728B52AA6E4}">
-                <adec:decorative xmlns:adec="http://schemas.microsoft.com/office/drawing/2017/decorative" xmlns="" val="1"/>
+                <adec:decorative xmlns="" xmlns:adec="http://schemas.microsoft.com/office/drawing/2017/decorative" val="1"/>
               </a:ext>
             </a:extLst>
           </p:cNvPr>
@@ -20568,10 +20585,10 @@
           <p:cNvPr id="12" name="Freeform 7">
             <a:extLst>
               <a:ext uri="{FF2B5EF4-FFF2-40B4-BE49-F238E27FC236}">
-                <a16:creationId xmlns:a16="http://schemas.microsoft.com/office/drawing/2014/main" xmlns="" id="{EC471314-E46A-414B-8D91-74880E84F187}"/>
+                <a16:creationId xmlns="" xmlns:a16="http://schemas.microsoft.com/office/drawing/2014/main" id="{EC471314-E46A-414B-8D91-74880E84F187}"/>
               </a:ext>
               <a:ext uri="{C183D7F6-B498-43B3-948B-1728B52AA6E4}">
-                <adec:decorative xmlns:adec="http://schemas.microsoft.com/office/drawing/2017/decorative" xmlns="" val="1"/>
+                <adec:decorative xmlns="" xmlns:adec="http://schemas.microsoft.com/office/drawing/2017/decorative" val="1"/>
               </a:ext>
             </a:extLst>
           </p:cNvPr>
@@ -20957,10 +20974,10 @@
           <p:cNvPr id="14" name="Freeform: Shape 13">
             <a:extLst>
               <a:ext uri="{FF2B5EF4-FFF2-40B4-BE49-F238E27FC236}">
-                <a16:creationId xmlns:a16="http://schemas.microsoft.com/office/drawing/2014/main" xmlns="" id="{6A681326-1C9D-44A3-A627-3871BDAE4127}"/>
+                <a16:creationId xmlns="" xmlns:a16="http://schemas.microsoft.com/office/drawing/2014/main" id="{6A681326-1C9D-44A3-A627-3871BDAE4127}"/>
               </a:ext>
               <a:ext uri="{C183D7F6-B498-43B3-948B-1728B52AA6E4}">
-                <adec:decorative xmlns:adec="http://schemas.microsoft.com/office/drawing/2017/decorative" xmlns="" val="1"/>
+                <adec:decorative xmlns="" xmlns:adec="http://schemas.microsoft.com/office/drawing/2017/decorative" val="1"/>
               </a:ext>
             </a:extLst>
           </p:cNvPr>
@@ -21420,7 +21437,7 @@
           <p:cNvPr id="2" name="Title 1">
             <a:extLst>
               <a:ext uri="{FF2B5EF4-FFF2-40B4-BE49-F238E27FC236}">
-                <a16:creationId xmlns:a16="http://schemas.microsoft.com/office/drawing/2014/main" xmlns="" id="{5343FD55-52BA-49ED-8622-99BA403F87BD}"/>
+                <a16:creationId xmlns="" xmlns:a16="http://schemas.microsoft.com/office/drawing/2014/main" id="{5343FD55-52BA-49ED-8622-99BA403F87BD}"/>
               </a:ext>
             </a:extLst>
           </p:cNvPr>
@@ -21459,7 +21476,7 @@
           <p:cNvPr id="3" name="Content Placeholder 2">
             <a:extLst>
               <a:ext uri="{FF2B5EF4-FFF2-40B4-BE49-F238E27FC236}">
-                <a16:creationId xmlns:a16="http://schemas.microsoft.com/office/drawing/2014/main" xmlns="" id="{03D921A0-DB4F-49E7-B69F-84CE55C2AD6E}"/>
+                <a16:creationId xmlns="" xmlns:a16="http://schemas.microsoft.com/office/drawing/2014/main" id="{03D921A0-DB4F-49E7-B69F-84CE55C2AD6E}"/>
               </a:ext>
             </a:extLst>
           </p:cNvPr>
@@ -21642,10 +21659,10 @@
           <p:cNvPr id="8" name="Rectangle 7">
             <a:extLst>
               <a:ext uri="{FF2B5EF4-FFF2-40B4-BE49-F238E27FC236}">
-                <a16:creationId xmlns:a16="http://schemas.microsoft.com/office/drawing/2014/main" xmlns="" id="{74CD14DB-BB81-479F-A1FC-1C75640E9F84}"/>
+                <a16:creationId xmlns="" xmlns:a16="http://schemas.microsoft.com/office/drawing/2014/main" id="{74CD14DB-BB81-479F-A1FC-1C75640E9F84}"/>
               </a:ext>
               <a:ext uri="{C183D7F6-B498-43B3-948B-1728B52AA6E4}">
-                <adec:decorative xmlns:adec="http://schemas.microsoft.com/office/drawing/2017/decorative" xmlns="" val="1"/>
+                <adec:decorative xmlns="" xmlns:adec="http://schemas.microsoft.com/office/drawing/2017/decorative" val="1"/>
               </a:ext>
             </a:extLst>
           </p:cNvPr>
@@ -21731,10 +21748,10 @@
           <p:cNvPr id="10" name="Rectangle 9">
             <a:extLst>
               <a:ext uri="{FF2B5EF4-FFF2-40B4-BE49-F238E27FC236}">
-                <a16:creationId xmlns:a16="http://schemas.microsoft.com/office/drawing/2014/main" xmlns="" id="{C943A91B-7CA7-4592-A975-73B1BF8C4C74}"/>
+                <a16:creationId xmlns="" xmlns:a16="http://schemas.microsoft.com/office/drawing/2014/main" id="{C943A91B-7CA7-4592-A975-73B1BF8C4C74}"/>
               </a:ext>
               <a:ext uri="{C183D7F6-B498-43B3-948B-1728B52AA6E4}">
-                <adec:decorative xmlns:adec="http://schemas.microsoft.com/office/drawing/2017/decorative" xmlns="" val="1"/>
+                <adec:decorative xmlns="" xmlns:adec="http://schemas.microsoft.com/office/drawing/2017/decorative" val="1"/>
               </a:ext>
             </a:extLst>
           </p:cNvPr>
@@ -21784,10 +21801,10 @@
           <p:cNvPr id="12" name="Freeform 7">
             <a:extLst>
               <a:ext uri="{FF2B5EF4-FFF2-40B4-BE49-F238E27FC236}">
-                <a16:creationId xmlns:a16="http://schemas.microsoft.com/office/drawing/2014/main" xmlns="" id="{EC471314-E46A-414B-8D91-74880E84F187}"/>
+                <a16:creationId xmlns="" xmlns:a16="http://schemas.microsoft.com/office/drawing/2014/main" id="{EC471314-E46A-414B-8D91-74880E84F187}"/>
               </a:ext>
               <a:ext uri="{C183D7F6-B498-43B3-948B-1728B52AA6E4}">
-                <adec:decorative xmlns:adec="http://schemas.microsoft.com/office/drawing/2017/decorative" xmlns="" val="1"/>
+                <adec:decorative xmlns="" xmlns:adec="http://schemas.microsoft.com/office/drawing/2017/decorative" val="1"/>
               </a:ext>
             </a:extLst>
           </p:cNvPr>
@@ -22173,10 +22190,10 @@
           <p:cNvPr id="14" name="Freeform: Shape 13">
             <a:extLst>
               <a:ext uri="{FF2B5EF4-FFF2-40B4-BE49-F238E27FC236}">
-                <a16:creationId xmlns:a16="http://schemas.microsoft.com/office/drawing/2014/main" xmlns="" id="{6A681326-1C9D-44A3-A627-3871BDAE4127}"/>
+                <a16:creationId xmlns="" xmlns:a16="http://schemas.microsoft.com/office/drawing/2014/main" id="{6A681326-1C9D-44A3-A627-3871BDAE4127}"/>
               </a:ext>
               <a:ext uri="{C183D7F6-B498-43B3-948B-1728B52AA6E4}">
-                <adec:decorative xmlns:adec="http://schemas.microsoft.com/office/drawing/2017/decorative" xmlns="" val="1"/>
+                <adec:decorative xmlns="" xmlns:adec="http://schemas.microsoft.com/office/drawing/2017/decorative" val="1"/>
               </a:ext>
             </a:extLst>
           </p:cNvPr>
@@ -22636,7 +22653,7 @@
           <p:cNvPr id="2" name="Title 1">
             <a:extLst>
               <a:ext uri="{FF2B5EF4-FFF2-40B4-BE49-F238E27FC236}">
-                <a16:creationId xmlns:a16="http://schemas.microsoft.com/office/drawing/2014/main" xmlns="" id="{5343FD55-52BA-49ED-8622-99BA403F87BD}"/>
+                <a16:creationId xmlns="" xmlns:a16="http://schemas.microsoft.com/office/drawing/2014/main" id="{5343FD55-52BA-49ED-8622-99BA403F87BD}"/>
               </a:ext>
             </a:extLst>
           </p:cNvPr>
@@ -22675,7 +22692,7 @@
           <p:cNvPr id="3" name="Picture 2">
             <a:extLst>
               <a:ext uri="{FF2B5EF4-FFF2-40B4-BE49-F238E27FC236}">
-                <a16:creationId xmlns:a16="http://schemas.microsoft.com/office/drawing/2014/main" xmlns="" id="{3C453393-54BF-4EE2-82E0-B3058D74EEC1}"/>
+                <a16:creationId xmlns="" xmlns:a16="http://schemas.microsoft.com/office/drawing/2014/main" id="{3C453393-54BF-4EE2-82E0-B3058D74EEC1}"/>
               </a:ext>
             </a:extLst>
           </p:cNvPr>
@@ -22743,10 +22760,10 @@
           <p:cNvPr id="8" name="Rectangle 7">
             <a:extLst>
               <a:ext uri="{FF2B5EF4-FFF2-40B4-BE49-F238E27FC236}">
-                <a16:creationId xmlns:a16="http://schemas.microsoft.com/office/drawing/2014/main" xmlns="" id="{74CD14DB-BB81-479F-A1FC-1C75640E9F84}"/>
+                <a16:creationId xmlns="" xmlns:a16="http://schemas.microsoft.com/office/drawing/2014/main" id="{74CD14DB-BB81-479F-A1FC-1C75640E9F84}"/>
               </a:ext>
               <a:ext uri="{C183D7F6-B498-43B3-948B-1728B52AA6E4}">
-                <adec:decorative xmlns:adec="http://schemas.microsoft.com/office/drawing/2017/decorative" xmlns="" val="1"/>
+                <adec:decorative xmlns="" xmlns:adec="http://schemas.microsoft.com/office/drawing/2017/decorative" val="1"/>
               </a:ext>
             </a:extLst>
           </p:cNvPr>
@@ -22832,10 +22849,10 @@
           <p:cNvPr id="10" name="Rectangle 9">
             <a:extLst>
               <a:ext uri="{FF2B5EF4-FFF2-40B4-BE49-F238E27FC236}">
-                <a16:creationId xmlns:a16="http://schemas.microsoft.com/office/drawing/2014/main" xmlns="" id="{C943A91B-7CA7-4592-A975-73B1BF8C4C74}"/>
+                <a16:creationId xmlns="" xmlns:a16="http://schemas.microsoft.com/office/drawing/2014/main" id="{C943A91B-7CA7-4592-A975-73B1BF8C4C74}"/>
               </a:ext>
               <a:ext uri="{C183D7F6-B498-43B3-948B-1728B52AA6E4}">
-                <adec:decorative xmlns:adec="http://schemas.microsoft.com/office/drawing/2017/decorative" xmlns="" val="1"/>
+                <adec:decorative xmlns="" xmlns:adec="http://schemas.microsoft.com/office/drawing/2017/decorative" val="1"/>
               </a:ext>
             </a:extLst>
           </p:cNvPr>
@@ -22885,10 +22902,10 @@
           <p:cNvPr id="12" name="Freeform 7">
             <a:extLst>
               <a:ext uri="{FF2B5EF4-FFF2-40B4-BE49-F238E27FC236}">
-                <a16:creationId xmlns:a16="http://schemas.microsoft.com/office/drawing/2014/main" xmlns="" id="{EC471314-E46A-414B-8D91-74880E84F187}"/>
+                <a16:creationId xmlns="" xmlns:a16="http://schemas.microsoft.com/office/drawing/2014/main" id="{EC471314-E46A-414B-8D91-74880E84F187}"/>
               </a:ext>
               <a:ext uri="{C183D7F6-B498-43B3-948B-1728B52AA6E4}">
-                <adec:decorative xmlns:adec="http://schemas.microsoft.com/office/drawing/2017/decorative" xmlns="" val="1"/>
+                <adec:decorative xmlns="" xmlns:adec="http://schemas.microsoft.com/office/drawing/2017/decorative" val="1"/>
               </a:ext>
             </a:extLst>
           </p:cNvPr>
@@ -23274,10 +23291,10 @@
           <p:cNvPr id="14" name="Freeform: Shape 13">
             <a:extLst>
               <a:ext uri="{FF2B5EF4-FFF2-40B4-BE49-F238E27FC236}">
-                <a16:creationId xmlns:a16="http://schemas.microsoft.com/office/drawing/2014/main" xmlns="" id="{6A681326-1C9D-44A3-A627-3871BDAE4127}"/>
+                <a16:creationId xmlns="" xmlns:a16="http://schemas.microsoft.com/office/drawing/2014/main" id="{6A681326-1C9D-44A3-A627-3871BDAE4127}"/>
               </a:ext>
               <a:ext uri="{C183D7F6-B498-43B3-948B-1728B52AA6E4}">
-                <adec:decorative xmlns:adec="http://schemas.microsoft.com/office/drawing/2017/decorative" xmlns="" val="1"/>
+                <adec:decorative xmlns="" xmlns:adec="http://schemas.microsoft.com/office/drawing/2017/decorative" val="1"/>
               </a:ext>
             </a:extLst>
           </p:cNvPr>
@@ -23737,7 +23754,7 @@
           <p:cNvPr id="2" name="Title 1">
             <a:extLst>
               <a:ext uri="{FF2B5EF4-FFF2-40B4-BE49-F238E27FC236}">
-                <a16:creationId xmlns:a16="http://schemas.microsoft.com/office/drawing/2014/main" xmlns="" id="{5343FD55-52BA-49ED-8622-99BA403F87BD}"/>
+                <a16:creationId xmlns="" xmlns:a16="http://schemas.microsoft.com/office/drawing/2014/main" id="{5343FD55-52BA-49ED-8622-99BA403F87BD}"/>
               </a:ext>
             </a:extLst>
           </p:cNvPr>
@@ -23776,7 +23793,7 @@
           <p:cNvPr id="3" name="Content Placeholder 2">
             <a:extLst>
               <a:ext uri="{FF2B5EF4-FFF2-40B4-BE49-F238E27FC236}">
-                <a16:creationId xmlns:a16="http://schemas.microsoft.com/office/drawing/2014/main" xmlns="" id="{03D921A0-DB4F-49E7-B69F-84CE55C2AD6E}"/>
+                <a16:creationId xmlns="" xmlns:a16="http://schemas.microsoft.com/office/drawing/2014/main" id="{03D921A0-DB4F-49E7-B69F-84CE55C2AD6E}"/>
               </a:ext>
             </a:extLst>
           </p:cNvPr>
@@ -23868,7 +23885,7 @@
           <p:cNvPr id="4" name="Rectangle 3">
             <a:extLst>
               <a:ext uri="{FF2B5EF4-FFF2-40B4-BE49-F238E27FC236}">
-                <a16:creationId xmlns:a16="http://schemas.microsoft.com/office/drawing/2014/main" xmlns="" id="{CE7C7A91-8946-4EFC-B8F9-2CBB0DE45C0A}"/>
+                <a16:creationId xmlns="" xmlns:a16="http://schemas.microsoft.com/office/drawing/2014/main" id="{CE7C7A91-8946-4EFC-B8F9-2CBB0DE45C0A}"/>
               </a:ext>
             </a:extLst>
           </p:cNvPr>
@@ -23941,7 +23958,7 @@
           <p:cNvPr id="9" name="Picture 25" descr="img161">
             <a:extLst>
               <a:ext uri="{FF2B5EF4-FFF2-40B4-BE49-F238E27FC236}">
-                <a16:creationId xmlns:a16="http://schemas.microsoft.com/office/drawing/2014/main" xmlns="" id="{0FE366DC-75C3-4064-A10E-802B1F535873}"/>
+                <a16:creationId xmlns="" xmlns:a16="http://schemas.microsoft.com/office/drawing/2014/main" id="{0FE366DC-75C3-4064-A10E-802B1F535873}"/>
               </a:ext>
             </a:extLst>
           </p:cNvPr>
@@ -24008,7 +24025,7 @@
           <p:cNvPr id="11" name="Picture 24" descr="img162">
             <a:extLst>
               <a:ext uri="{FF2B5EF4-FFF2-40B4-BE49-F238E27FC236}">
-                <a16:creationId xmlns:a16="http://schemas.microsoft.com/office/drawing/2014/main" xmlns="" id="{58A73C7A-4E07-4744-A18A-467EE74A5A59}"/>
+                <a16:creationId xmlns="" xmlns:a16="http://schemas.microsoft.com/office/drawing/2014/main" id="{58A73C7A-4E07-4744-A18A-467EE74A5A59}"/>
               </a:ext>
             </a:extLst>
           </p:cNvPr>
@@ -24113,10 +24130,10 @@
           <p:cNvPr id="8" name="Rectangle 7">
             <a:extLst>
               <a:ext uri="{FF2B5EF4-FFF2-40B4-BE49-F238E27FC236}">
-                <a16:creationId xmlns:a16="http://schemas.microsoft.com/office/drawing/2014/main" xmlns="" id="{74CD14DB-BB81-479F-A1FC-1C75640E9F84}"/>
+                <a16:creationId xmlns="" xmlns:a16="http://schemas.microsoft.com/office/drawing/2014/main" id="{74CD14DB-BB81-479F-A1FC-1C75640E9F84}"/>
               </a:ext>
               <a:ext uri="{C183D7F6-B498-43B3-948B-1728B52AA6E4}">
-                <adec:decorative xmlns:adec="http://schemas.microsoft.com/office/drawing/2017/decorative" xmlns="" val="1"/>
+                <adec:decorative xmlns="" xmlns:adec="http://schemas.microsoft.com/office/drawing/2017/decorative" val="1"/>
               </a:ext>
             </a:extLst>
           </p:cNvPr>
@@ -24202,10 +24219,10 @@
           <p:cNvPr id="10" name="Rectangle 9">
             <a:extLst>
               <a:ext uri="{FF2B5EF4-FFF2-40B4-BE49-F238E27FC236}">
-                <a16:creationId xmlns:a16="http://schemas.microsoft.com/office/drawing/2014/main" xmlns="" id="{C943A91B-7CA7-4592-A975-73B1BF8C4C74}"/>
+                <a16:creationId xmlns="" xmlns:a16="http://schemas.microsoft.com/office/drawing/2014/main" id="{C943A91B-7CA7-4592-A975-73B1BF8C4C74}"/>
               </a:ext>
               <a:ext uri="{C183D7F6-B498-43B3-948B-1728B52AA6E4}">
-                <adec:decorative xmlns:adec="http://schemas.microsoft.com/office/drawing/2017/decorative" xmlns="" val="1"/>
+                <adec:decorative xmlns="" xmlns:adec="http://schemas.microsoft.com/office/drawing/2017/decorative" val="1"/>
               </a:ext>
             </a:extLst>
           </p:cNvPr>
@@ -24255,10 +24272,10 @@
           <p:cNvPr id="12" name="Freeform 7">
             <a:extLst>
               <a:ext uri="{FF2B5EF4-FFF2-40B4-BE49-F238E27FC236}">
-                <a16:creationId xmlns:a16="http://schemas.microsoft.com/office/drawing/2014/main" xmlns="" id="{EC471314-E46A-414B-8D91-74880E84F187}"/>
+                <a16:creationId xmlns="" xmlns:a16="http://schemas.microsoft.com/office/drawing/2014/main" id="{EC471314-E46A-414B-8D91-74880E84F187}"/>
               </a:ext>
               <a:ext uri="{C183D7F6-B498-43B3-948B-1728B52AA6E4}">
-                <adec:decorative xmlns:adec="http://schemas.microsoft.com/office/drawing/2017/decorative" xmlns="" val="1"/>
+                <adec:decorative xmlns="" xmlns:adec="http://schemas.microsoft.com/office/drawing/2017/decorative" val="1"/>
               </a:ext>
             </a:extLst>
           </p:cNvPr>
@@ -24644,10 +24661,10 @@
           <p:cNvPr id="14" name="Freeform: Shape 13">
             <a:extLst>
               <a:ext uri="{FF2B5EF4-FFF2-40B4-BE49-F238E27FC236}">
-                <a16:creationId xmlns:a16="http://schemas.microsoft.com/office/drawing/2014/main" xmlns="" id="{6A681326-1C9D-44A3-A627-3871BDAE4127}"/>
+                <a16:creationId xmlns="" xmlns:a16="http://schemas.microsoft.com/office/drawing/2014/main" id="{6A681326-1C9D-44A3-A627-3871BDAE4127}"/>
               </a:ext>
               <a:ext uri="{C183D7F6-B498-43B3-948B-1728B52AA6E4}">
-                <adec:decorative xmlns:adec="http://schemas.microsoft.com/office/drawing/2017/decorative" xmlns="" val="1"/>
+                <adec:decorative xmlns="" xmlns:adec="http://schemas.microsoft.com/office/drawing/2017/decorative" val="1"/>
               </a:ext>
             </a:extLst>
           </p:cNvPr>
@@ -25107,7 +25124,7 @@
           <p:cNvPr id="2" name="Title 1">
             <a:extLst>
               <a:ext uri="{FF2B5EF4-FFF2-40B4-BE49-F238E27FC236}">
-                <a16:creationId xmlns:a16="http://schemas.microsoft.com/office/drawing/2014/main" xmlns="" id="{5343FD55-52BA-49ED-8622-99BA403F87BD}"/>
+                <a16:creationId xmlns="" xmlns:a16="http://schemas.microsoft.com/office/drawing/2014/main" id="{5343FD55-52BA-49ED-8622-99BA403F87BD}"/>
               </a:ext>
             </a:extLst>
           </p:cNvPr>
@@ -25146,7 +25163,7 @@
           <p:cNvPr id="3" name="Content Placeholder 2">
             <a:extLst>
               <a:ext uri="{FF2B5EF4-FFF2-40B4-BE49-F238E27FC236}">
-                <a16:creationId xmlns:a16="http://schemas.microsoft.com/office/drawing/2014/main" xmlns="" id="{03D921A0-DB4F-49E7-B69F-84CE55C2AD6E}"/>
+                <a16:creationId xmlns="" xmlns:a16="http://schemas.microsoft.com/office/drawing/2014/main" id="{03D921A0-DB4F-49E7-B69F-84CE55C2AD6E}"/>
               </a:ext>
             </a:extLst>
           </p:cNvPr>
@@ -25258,7 +25275,7 @@
           <p:cNvPr id="4" name="Picture 3">
             <a:extLst>
               <a:ext uri="{FF2B5EF4-FFF2-40B4-BE49-F238E27FC236}">
-                <a16:creationId xmlns:a16="http://schemas.microsoft.com/office/drawing/2014/main" xmlns="" id="{0FF02B58-4DEA-455C-B4EE-36B05B56DBF7}"/>
+                <a16:creationId xmlns="" xmlns:a16="http://schemas.microsoft.com/office/drawing/2014/main" id="{0FF02B58-4DEA-455C-B4EE-36B05B56DBF7}"/>
               </a:ext>
             </a:extLst>
           </p:cNvPr>
